--- a/Online Examination System.pptx
+++ b/Online Examination System.pptx
@@ -1461,13 +1461,8 @@
           <a:pPr algn="ctr"/>
           <a:r>
             <a:rPr lang="en-US" dirty="0" smtClean="0"/>
-            <a:t>Generating </a:t>
+            <a:t>Generating Components</a:t>
           </a:r>
-          <a:r>
-            <a:rPr lang="en-US" dirty="0" smtClean="0"/>
-            <a:t>Components</a:t>
-          </a:r>
-          <a:endParaRPr lang="en-US" dirty="0" smtClean="0"/>
         </a:p>
       </dgm:t>
     </dgm:pt>
@@ -1503,11 +1498,7 @@
           <a:pPr algn="ctr"/>
           <a:r>
             <a:rPr lang="en-US" dirty="0" smtClean="0"/>
-            <a:t>Checks </a:t>
-          </a:r>
-          <a:r>
-            <a:rPr lang="en-US" dirty="0" smtClean="0"/>
-            <a:t>&amp; Validations</a:t>
+            <a:t>Checks &amp; Validations</a:t>
           </a:r>
         </a:p>
       </dgm:t>
@@ -1582,15 +1573,7 @@
           <a:pPr algn="ctr"/>
           <a:r>
             <a:rPr lang="en-US" dirty="0" smtClean="0"/>
-            <a:t>Creating </a:t>
-          </a:r>
-          <a:r>
-            <a:rPr lang="en-US" dirty="0" smtClean="0"/>
-            <a:t>LINQ </a:t>
-          </a:r>
-          <a:r>
-            <a:rPr lang="en-US" dirty="0" smtClean="0"/>
-            <a:t>EF Queries</a:t>
+            <a:t>Creating LINQ EF Queries</a:t>
           </a:r>
           <a:endParaRPr lang="en-US" dirty="0"/>
         </a:p>
@@ -1629,7 +1612,6 @@
             <a:rPr lang="en-US" dirty="0" smtClean="0"/>
             <a:t>Creating Models , Adapters &amp; Services</a:t>
           </a:r>
-          <a:endParaRPr lang="en-US" dirty="0" smtClean="0"/>
         </a:p>
       </dgm:t>
     </dgm:pt>
@@ -2157,6 +2139,13 @@
     <dgm:pt modelId="{0BB208CC-B749-4DFD-A06D-74CCB5C90599}" type="pres">
       <dgm:prSet presAssocID="{3D0C4AB2-0459-477D-8BB7-178494ADB331}" presName="Name13" presStyleLbl="parChTrans1D2" presStyleIdx="10" presStyleCnt="11"/>
       <dgm:spPr/>
+      <dgm:t>
+        <a:bodyPr/>
+        <a:lstStyle/>
+        <a:p>
+          <a:endParaRPr lang="en-US"/>
+        </a:p>
+      </dgm:t>
     </dgm:pt>
     <dgm:pt modelId="{E7B4A12E-6CC0-4B8C-9E2F-292D17BF718C}" type="pres">
       <dgm:prSet presAssocID="{2D1CDD9C-98E3-4BDA-9FC8-884EB8CEB633}" presName="childText" presStyleLbl="bgAcc1" presStyleIdx="10" presStyleCnt="11">
@@ -2165,13 +2154,20 @@
         </dgm:presLayoutVars>
       </dgm:prSet>
       <dgm:spPr/>
+      <dgm:t>
+        <a:bodyPr/>
+        <a:lstStyle/>
+        <a:p>
+          <a:endParaRPr lang="en-US"/>
+        </a:p>
+      </dgm:t>
     </dgm:pt>
   </dgm:ptLst>
   <dgm:cxnLst>
     <dgm:cxn modelId="{149E5DA2-F6B9-446F-839C-DCF4CD06A2F2}" type="presOf" srcId="{9D72CDD3-5859-43DB-BD75-0C3C30E3DE62}" destId="{C4326220-1DE1-4D83-88B4-C5086068802B}" srcOrd="0" destOrd="0" presId="urn:microsoft.com/office/officeart/2005/8/layout/hierarchy3"/>
     <dgm:cxn modelId="{BBDDE774-EB30-4CDA-A261-8E0781CC8135}" type="presOf" srcId="{CD1EE44C-3116-420B-89E3-1D797CB25D34}" destId="{2A18FF5E-2F15-42F5-A669-B993A84DB36B}" srcOrd="0" destOrd="0" presId="urn:microsoft.com/office/officeart/2005/8/layout/hierarchy3"/>
+    <dgm:cxn modelId="{33D57B8B-3EA2-4894-A925-D58E449B4AE3}" type="presOf" srcId="{3D0C4AB2-0459-477D-8BB7-178494ADB331}" destId="{0BB208CC-B749-4DFD-A06D-74CCB5C90599}" srcOrd="0" destOrd="0" presId="urn:microsoft.com/office/officeart/2005/8/layout/hierarchy3"/>
     <dgm:cxn modelId="{8D1F64BD-3C62-4F68-9843-8E54BE39F4FE}" type="presOf" srcId="{19D9D6CC-C2AF-4972-906B-8F7D9296D61D}" destId="{BDA4F3E3-2166-46A2-8D2D-EE9BB257CAE6}" srcOrd="0" destOrd="0" presId="urn:microsoft.com/office/officeart/2005/8/layout/hierarchy3"/>
-    <dgm:cxn modelId="{33D57B8B-3EA2-4894-A925-D58E449B4AE3}" type="presOf" srcId="{3D0C4AB2-0459-477D-8BB7-178494ADB331}" destId="{0BB208CC-B749-4DFD-A06D-74CCB5C90599}" srcOrd="0" destOrd="0" presId="urn:microsoft.com/office/officeart/2005/8/layout/hierarchy3"/>
     <dgm:cxn modelId="{EF036DAD-64BB-4F0A-B7F2-D00FDA30F792}" type="presOf" srcId="{63DFA0CF-470F-48E0-9456-40D1394DA8BB}" destId="{109D9226-C2BE-4F22-B80E-B88C74DB3908}" srcOrd="0" destOrd="0" presId="urn:microsoft.com/office/officeart/2005/8/layout/hierarchy3"/>
     <dgm:cxn modelId="{DDB5AD9A-40B0-48EF-AF2C-8CCDA330F7FE}" srcId="{B4F1B46E-22B2-4721-950C-8704487586DC}" destId="{9D72CDD3-5859-43DB-BD75-0C3C30E3DE62}" srcOrd="0" destOrd="0" parTransId="{1D5B1F83-33A7-4298-BC11-2B1252AFAEA5}" sibTransId="{15E25BD4-1EBF-43C2-8885-DBF66B8429E1}"/>
     <dgm:cxn modelId="{F0E20765-9A24-46C7-ADFE-772D380C2DAA}" type="presOf" srcId="{1D5B1F83-33A7-4298-BC11-2B1252AFAEA5}" destId="{A5DA65D3-90D9-4DF2-8E88-60928EC5F383}" srcOrd="0" destOrd="0" presId="urn:microsoft.com/office/officeart/2005/8/layout/hierarchy3"/>
@@ -3331,15 +3327,7 @@
           </a:pPr>
           <a:r>
             <a:rPr lang="en-US" sz="1500" kern="1200" dirty="0" smtClean="0"/>
-            <a:t>Creating </a:t>
-          </a:r>
-          <a:r>
-            <a:rPr lang="en-US" sz="1500" kern="1200" dirty="0" smtClean="0"/>
-            <a:t>LINQ </a:t>
-          </a:r>
-          <a:r>
-            <a:rPr lang="en-US" sz="1500" kern="1200" dirty="0" smtClean="0"/>
-            <a:t>EF Queries</a:t>
+            <a:t>Creating LINQ EF Queries</a:t>
           </a:r>
           <a:endParaRPr lang="en-US" sz="1500" kern="1200" dirty="0"/>
         </a:p>
@@ -3576,13 +3564,8 @@
           </a:pPr>
           <a:r>
             <a:rPr lang="en-US" sz="1500" kern="1200" dirty="0" smtClean="0"/>
-            <a:t>Generating </a:t>
+            <a:t>Generating Components</a:t>
           </a:r>
-          <a:r>
-            <a:rPr lang="en-US" sz="1500" kern="1200" dirty="0" smtClean="0"/>
-            <a:t>Components</a:t>
-          </a:r>
-          <a:endParaRPr lang="en-US" sz="1500" kern="1200" dirty="0" smtClean="0"/>
         </a:p>
       </dsp:txBody>
       <dsp:txXfrm>
@@ -3728,11 +3711,7 @@
           </a:pPr>
           <a:r>
             <a:rPr lang="en-US" sz="1500" kern="1200" dirty="0" smtClean="0"/>
-            <a:t>Checks </a:t>
-          </a:r>
-          <a:r>
-            <a:rPr lang="en-US" sz="1500" kern="1200" dirty="0" smtClean="0"/>
-            <a:t>&amp; Validations</a:t>
+            <a:t>Checks &amp; Validations</a:t>
           </a:r>
         </a:p>
       </dsp:txBody>
@@ -4266,7 +4245,6 @@
             <a:rPr lang="en-US" sz="1500" kern="1200" dirty="0" smtClean="0"/>
             <a:t>Creating Models , Adapters &amp; Services</a:t>
           </a:r>
-          <a:endParaRPr lang="en-US" sz="1500" kern="1200" dirty="0" smtClean="0"/>
         </a:p>
       </dsp:txBody>
       <dsp:txXfrm>
@@ -5982,7 +5960,7 @@
           <a:p>
             <a:fld id="{23CEAAF3-9831-450B-8D59-2C09DB96C8FC}" type="datetimeFigureOut">
               <a:rPr lang="en-US"/>
-              <a:t>8/19/2020</a:t>
+              <a:t>8/20/2020</a:t>
             </a:fld>
             <a:endParaRPr/>
           </a:p>
@@ -6147,7 +6125,7 @@
           <a:p>
             <a:fld id="{2D50CD79-FC16-4410-AB61-17F26E6D3BC8}" type="datetimeFigureOut">
               <a:rPr lang="en-US"/>
-              <a:t>8/19/2020</a:t>
+              <a:t>8/20/2020</a:t>
             </a:fld>
             <a:endParaRPr/>
           </a:p>
@@ -6794,7 +6772,7 @@
             <a:fld id="{402B9795-92DC-40DC-A1CA-9A4B349D7824}" type="datetimeFigureOut">
               <a:rPr lang="en-US" smtClean="0"/>
               <a:pPr/>
-              <a:t>8/19/2020</a:t>
+              <a:t>8/20/2020</a:t>
             </a:fld>
             <a:endParaRPr lang="en-US" dirty="0"/>
           </a:p>
@@ -7095,7 +7073,7 @@
           <a:p>
             <a:fld id="{402B9795-92DC-40DC-A1CA-9A4B349D7824}" type="datetimeFigureOut">
               <a:rPr lang="en-US"/>
-              <a:t>8/19/2020</a:t>
+              <a:t>8/20/2020</a:t>
             </a:fld>
             <a:endParaRPr/>
           </a:p>
@@ -7277,7 +7255,7 @@
           <a:p>
             <a:fld id="{402B9795-92DC-40DC-A1CA-9A4B349D7824}" type="datetimeFigureOut">
               <a:rPr lang="en-US"/>
-              <a:t>8/19/2020</a:t>
+              <a:t>8/20/2020</a:t>
             </a:fld>
             <a:endParaRPr/>
           </a:p>
@@ -7469,7 +7447,7 @@
           <a:p>
             <a:fld id="{402B9795-92DC-40DC-A1CA-9A4B349D7824}" type="datetimeFigureOut">
               <a:rPr lang="en-US"/>
-              <a:t>8/19/2020</a:t>
+              <a:t>8/20/2020</a:t>
             </a:fld>
             <a:endParaRPr/>
           </a:p>
@@ -7738,7 +7716,7 @@
           <a:p>
             <a:fld id="{402B9795-92DC-40DC-A1CA-9A4B349D7824}" type="datetimeFigureOut">
               <a:rPr lang="en-US"/>
-              <a:t>8/19/2020</a:t>
+              <a:t>8/20/2020</a:t>
             </a:fld>
             <a:endParaRPr/>
           </a:p>
@@ -8804,7 +8782,7 @@
           <a:p>
             <a:fld id="{402B9795-92DC-40DC-A1CA-9A4B349D7824}" type="datetimeFigureOut">
               <a:rPr lang="en-US"/>
-              <a:t>8/19/2020</a:t>
+              <a:t>8/20/2020</a:t>
             </a:fld>
             <a:endParaRPr/>
           </a:p>
@@ -9077,7 +9055,7 @@
           <a:p>
             <a:fld id="{402B9795-92DC-40DC-A1CA-9A4B349D7824}" type="datetimeFigureOut">
               <a:rPr lang="en-US"/>
-              <a:t>8/19/2020</a:t>
+              <a:t>8/20/2020</a:t>
             </a:fld>
             <a:endParaRPr/>
           </a:p>
@@ -9457,7 +9435,7 @@
           <a:p>
             <a:fld id="{402B9795-92DC-40DC-A1CA-9A4B349D7824}" type="datetimeFigureOut">
               <a:rPr lang="en-US"/>
-              <a:t>8/19/2020</a:t>
+              <a:t>8/20/2020</a:t>
             </a:fld>
             <a:endParaRPr/>
           </a:p>
@@ -9587,7 +9565,7 @@
           <a:p>
             <a:fld id="{402B9795-92DC-40DC-A1CA-9A4B349D7824}" type="datetimeFigureOut">
               <a:rPr lang="en-US"/>
-              <a:t>8/19/2020</a:t>
+              <a:t>8/20/2020</a:t>
             </a:fld>
             <a:endParaRPr/>
           </a:p>
@@ -9694,7 +9672,7 @@
           <a:p>
             <a:fld id="{402B9795-92DC-40DC-A1CA-9A4B349D7824}" type="datetimeFigureOut">
               <a:rPr lang="en-US"/>
-              <a:t>8/19/2020</a:t>
+              <a:t>8/20/2020</a:t>
             </a:fld>
             <a:endParaRPr/>
           </a:p>
@@ -9985,7 +9963,7 @@
           <a:p>
             <a:fld id="{402B9795-92DC-40DC-A1CA-9A4B349D7824}" type="datetimeFigureOut">
               <a:rPr lang="en-US"/>
-              <a:t>8/19/2020</a:t>
+              <a:t>8/20/2020</a:t>
             </a:fld>
             <a:endParaRPr/>
           </a:p>
@@ -10211,7 +10189,7 @@
             <a:fld id="{402B9795-92DC-40DC-A1CA-9A4B349D7824}" type="datetimeFigureOut">
               <a:rPr lang="en-US" smtClean="0"/>
               <a:pPr/>
-              <a:t>8/19/2020</a:t>
+              <a:t>8/20/2020</a:t>
             </a:fld>
             <a:endParaRPr lang="en-US"/>
           </a:p>
@@ -10755,7 +10733,7 @@
         </p:nvSpPr>
         <p:spPr>
           <a:xfrm>
-            <a:off x="700944" y="2148930"/>
+            <a:off x="322964" y="2246329"/>
             <a:ext cx="5734050" cy="2219691"/>
           </a:xfrm>
         </p:spPr>
@@ -10770,7 +10748,13 @@
               <a:rPr lang="en-US" sz="4800" i="1" dirty="0" smtClean="0">
                 <a:latin typeface="Monotype Corsiva" panose="03010101010201010101" pitchFamily="66" charset="0"/>
               </a:rPr>
-              <a:t>Online Examination System</a:t>
+              <a:t>Team-4 : Online </a:t>
+            </a:r>
+            <a:r>
+              <a:rPr lang="en-US" sz="4800" i="1" dirty="0" smtClean="0">
+                <a:latin typeface="Monotype Corsiva" panose="03010101010201010101" pitchFamily="66" charset="0"/>
+              </a:rPr>
+              <a:t>Examination System</a:t>
             </a:r>
             <a:endParaRPr lang="en-US" sz="4800" i="1" dirty="0">
               <a:latin typeface="Monotype Corsiva" panose="03010101010201010101" pitchFamily="66" charset="0"/>
@@ -10790,8 +10774,8 @@
         </p:nvSpPr>
         <p:spPr>
           <a:xfrm>
-            <a:off x="154874" y="4550676"/>
-            <a:ext cx="5734050" cy="955565"/>
+            <a:off x="154874" y="4329113"/>
+            <a:ext cx="5734050" cy="1588867"/>
           </a:xfrm>
         </p:spPr>
         <p:txBody>
@@ -10801,63 +10785,28 @@
             <a:r>
               <a:rPr lang="en-US" dirty="0" smtClean="0">
                 <a:solidFill>
-                  <a:schemeClr val="tx2">
-                    <a:lumMod val="65000"/>
-                    <a:lumOff val="35000"/>
-                  </a:schemeClr>
+                  <a:srgbClr val="C00000"/>
                 </a:solidFill>
               </a:rPr>
               <a:t>Submitted By : </a:t>
             </a:r>
             <a:r>
-              <a:rPr lang="en-US" dirty="0" err="1" smtClean="0">
+              <a:rPr lang="en-US" dirty="0" smtClean="0">
                 <a:solidFill>
-                  <a:schemeClr val="tx2">
-                    <a:lumMod val="65000"/>
-                    <a:lumOff val="35000"/>
+                  <a:schemeClr val="tx1">
+                    <a:lumMod val="50000"/>
                   </a:schemeClr>
                 </a:solidFill>
               </a:rPr>
-              <a:t>Kartik</a:t>
+              <a:t>Kartik Chawla - 10670528</a:t>
             </a:r>
-            <a:r>
-              <a:rPr lang="en-US" dirty="0" smtClean="0">
-                <a:solidFill>
-                  <a:schemeClr val="tx2">
-                    <a:lumMod val="65000"/>
-                    <a:lumOff val="35000"/>
-                  </a:schemeClr>
-                </a:solidFill>
-              </a:rPr>
-              <a:t> Chawla - </a:t>
-            </a:r>
-            <a:r>
-              <a:rPr lang="en-US" dirty="0" smtClean="0">
-                <a:solidFill>
-                  <a:schemeClr val="tx2">
-                    <a:lumMod val="65000"/>
-                    <a:lumOff val="35000"/>
-                  </a:schemeClr>
-                </a:solidFill>
-              </a:rPr>
-              <a:t>10670528</a:t>
-            </a:r>
-            <a:endParaRPr lang="en-US" dirty="0" smtClean="0">
-              <a:solidFill>
-                <a:schemeClr val="tx2">
-                  <a:lumMod val="65000"/>
-                  <a:lumOff val="35000"/>
-                </a:schemeClr>
-              </a:solidFill>
-            </a:endParaRPr>
           </a:p>
           <a:p>
             <a:r>
               <a:rPr lang="en-US" dirty="0" smtClean="0">
                 <a:solidFill>
-                  <a:schemeClr val="tx2">
-                    <a:lumMod val="65000"/>
-                    <a:lumOff val="35000"/>
+                  <a:schemeClr val="tx1">
+                    <a:lumMod val="50000"/>
                   </a:schemeClr>
                 </a:solidFill>
               </a:rPr>
@@ -10868,9 +10817,8 @@
             <a:r>
               <a:rPr lang="en-US" dirty="0">
                 <a:solidFill>
-                  <a:schemeClr val="tx2">
-                    <a:lumMod val="65000"/>
-                    <a:lumOff val="35000"/>
+                  <a:schemeClr val="tx1">
+                    <a:lumMod val="50000"/>
                   </a:schemeClr>
                 </a:solidFill>
               </a:rPr>
@@ -10879,58 +10827,45 @@
             <a:r>
               <a:rPr lang="en-US" dirty="0" smtClean="0">
                 <a:solidFill>
-                  <a:schemeClr val="tx2">
-                    <a:lumMod val="65000"/>
-                    <a:lumOff val="35000"/>
+                  <a:schemeClr val="tx1">
+                    <a:lumMod val="50000"/>
                   </a:schemeClr>
                 </a:solidFill>
               </a:rPr>
-              <a:t>         </a:t>
-            </a:r>
-            <a:r>
-              <a:rPr lang="en-US" dirty="0" err="1" smtClean="0">
-                <a:solidFill>
-                  <a:schemeClr val="tx2">
-                    <a:lumMod val="65000"/>
-                    <a:lumOff val="35000"/>
-                  </a:schemeClr>
-                </a:solidFill>
-              </a:rPr>
-              <a:t>Saloni</a:t>
+              <a:t>         Saloni Bisht </a:t>
             </a:r>
             <a:r>
               <a:rPr lang="en-US" dirty="0" smtClean="0">
                 <a:solidFill>
-                  <a:schemeClr val="tx2">
-                    <a:lumMod val="65000"/>
-                    <a:lumOff val="35000"/>
+                  <a:schemeClr val="tx1">
+                    <a:lumMod val="50000"/>
                   </a:schemeClr>
                 </a:solidFill>
               </a:rPr>
-              <a:t> </a:t>
+              <a:t>– 10670497</a:t>
             </a:r>
-            <a:r>
-              <a:rPr lang="en-US" dirty="0" err="1" smtClean="0">
-                <a:solidFill>
-                  <a:schemeClr val="tx2">
-                    <a:lumMod val="65000"/>
-                    <a:lumOff val="35000"/>
-                  </a:schemeClr>
-                </a:solidFill>
-              </a:rPr>
-              <a:t>Bisht</a:t>
-            </a:r>
+          </a:p>
+          <a:p>
+            <a:endParaRPr lang="en-US" dirty="0" smtClean="0">
+              <a:solidFill>
+                <a:srgbClr val="C00000"/>
+              </a:solidFill>
+            </a:endParaRPr>
+          </a:p>
+          <a:p>
             <a:r>
               <a:rPr lang="en-US" dirty="0" smtClean="0">
                 <a:solidFill>
-                  <a:schemeClr val="tx2">
-                    <a:lumMod val="65000"/>
-                    <a:lumOff val="35000"/>
-                  </a:schemeClr>
+                  <a:srgbClr val="C00000"/>
                 </a:solidFill>
               </a:rPr>
-              <a:t> - 10670497</a:t>
+              <a:t>Batch -  848 . NET</a:t>
             </a:r>
+            <a:endParaRPr lang="en-US" dirty="0" smtClean="0">
+              <a:solidFill>
+                <a:srgbClr val="C00000"/>
+              </a:solidFill>
+            </a:endParaRPr>
           </a:p>
         </p:txBody>
       </p:sp>
@@ -10983,7 +10918,7 @@
                 <a14:useLocalDpi xmlns:a14="http://schemas.microsoft.com/office/drawing/2010/main" val="0"/>
               </a:ext>
               <a:ext uri="{96DAC541-7B7A-43D3-8B79-37D633B846F1}">
-                <asvg:svgBlip xmlns:asvg="http://schemas.microsoft.com/office/drawing/2016/SVG/main" xmlns="" r:embed="rId10"/>
+                <asvg:svgBlip xmlns="" xmlns:asvg="http://schemas.microsoft.com/office/drawing/2016/SVG/main" r:embed="rId10"/>
               </a:ext>
             </a:extLst>
           </a:blip>
@@ -10993,7 +10928,7 @@
         </p:blipFill>
         <p:spPr>
           <a:xfrm>
-            <a:off x="154874" y="1297637"/>
+            <a:off x="116567" y="1262794"/>
             <a:ext cx="1270475" cy="1270475"/>
           </a:xfrm>
           <a:prstGeom prst="rect">
@@ -11022,7 +10957,7 @@
                 <a14:useLocalDpi xmlns:a14="http://schemas.microsoft.com/office/drawing/2010/main" val="0"/>
               </a:ext>
               <a:ext uri="{96DAC541-7B7A-43D3-8B79-37D633B846F1}">
-                <asvg:svgBlip xmlns:asvg="http://schemas.microsoft.com/office/drawing/2016/SVG/main" xmlns="" r:embed="rId12"/>
+                <asvg:svgBlip xmlns="" xmlns:asvg="http://schemas.microsoft.com/office/drawing/2016/SVG/main" r:embed="rId12"/>
               </a:ext>
             </a:extLst>
           </a:blip>
@@ -11032,7 +10967,7 @@
         </p:blipFill>
         <p:spPr>
           <a:xfrm>
-            <a:off x="5533901" y="1262794"/>
+            <a:off x="5533901" y="1194192"/>
             <a:ext cx="1447162" cy="1447162"/>
           </a:xfrm>
           <a:prstGeom prst="rect">
@@ -12927,6 +12862,9 @@
             <a:endParaRPr lang="en-US" dirty="0" smtClean="0"/>
           </a:p>
           <a:p>
+            <a:pPr marL="0" indent="0">
+              <a:buNone/>
+            </a:pPr>
             <a:endParaRPr lang="en-US" dirty="0" smtClean="0"/>
           </a:p>
           <a:p>
@@ -15204,8 +15142,8 @@
         </p:blipFill>
         <p:spPr>
           <a:xfrm>
-            <a:off x="10320245" y="5333240"/>
-            <a:ext cx="2944586" cy="2291869"/>
+            <a:off x="9718765" y="5176168"/>
+            <a:ext cx="2160813" cy="1681832"/>
           </a:xfrm>
           <a:prstGeom prst="rect">
             <a:avLst/>
@@ -21619,6 +21557,132 @@
 </file>
 
 <file path=customXml/item2.xml><?xml version="1.0" encoding="utf-8"?>
+<p:properties xmlns:p="http://schemas.microsoft.com/office/2006/metadata/properties" xmlns:xsi="http://www.w3.org/2001/XMLSchema-instance" xmlns:pc="http://schemas.microsoft.com/office/infopath/2007/PartnerControls">
+  <documentManagement>
+    <APDescription xmlns="4873beb7-5857-4685-be1f-d57550cc96cc" xsi:nil="true"/>
+    <AssetExpire xmlns="4873beb7-5857-4685-be1f-d57550cc96cc">2029-01-01T08:00:00+00:00</AssetExpire>
+    <CampaignTagsTaxHTField0 xmlns="4873beb7-5857-4685-be1f-d57550cc96cc">
+      <Terms xmlns="http://schemas.microsoft.com/office/infopath/2007/PartnerControls"/>
+    </CampaignTagsTaxHTField0>
+    <IntlLangReviewDate xmlns="4873beb7-5857-4685-be1f-d57550cc96cc" xsi:nil="true"/>
+    <TPFriendlyName xmlns="4873beb7-5857-4685-be1f-d57550cc96cc" xsi:nil="true"/>
+    <IntlLangReview xmlns="4873beb7-5857-4685-be1f-d57550cc96cc">false</IntlLangReview>
+    <LocLastLocAttemptVersionLookup xmlns="4873beb7-5857-4685-be1f-d57550cc96cc">855024</LocLastLocAttemptVersionLookup>
+    <PolicheckWords xmlns="4873beb7-5857-4685-be1f-d57550cc96cc" xsi:nil="true"/>
+    <SubmitterId xmlns="4873beb7-5857-4685-be1f-d57550cc96cc" xsi:nil="true"/>
+    <AcquiredFrom xmlns="4873beb7-5857-4685-be1f-d57550cc96cc">Internal MS</AcquiredFrom>
+    <EditorialStatus xmlns="4873beb7-5857-4685-be1f-d57550cc96cc">Complete</EditorialStatus>
+    <Markets xmlns="4873beb7-5857-4685-be1f-d57550cc96cc"/>
+    <OriginAsset xmlns="4873beb7-5857-4685-be1f-d57550cc96cc" xsi:nil="true"/>
+    <AssetStart xmlns="4873beb7-5857-4685-be1f-d57550cc96cc">2012-08-31T08:50:00+00:00</AssetStart>
+    <FriendlyTitle xmlns="4873beb7-5857-4685-be1f-d57550cc96cc" xsi:nil="true"/>
+    <MarketSpecific xmlns="4873beb7-5857-4685-be1f-d57550cc96cc">false</MarketSpecific>
+    <TPNamespace xmlns="4873beb7-5857-4685-be1f-d57550cc96cc" xsi:nil="true"/>
+    <PublishStatusLookup xmlns="4873beb7-5857-4685-be1f-d57550cc96cc">
+      <Value>1616423</Value>
+    </PublishStatusLookup>
+    <APAuthor xmlns="4873beb7-5857-4685-be1f-d57550cc96cc">
+      <UserInfo>
+        <DisplayName>REDMOND\kristaa</DisplayName>
+        <AccountId>136</AccountId>
+        <AccountType/>
+      </UserInfo>
+    </APAuthor>
+    <TPCommandLine xmlns="4873beb7-5857-4685-be1f-d57550cc96cc" xsi:nil="true"/>
+    <IntlLangReviewer xmlns="4873beb7-5857-4685-be1f-d57550cc96cc" xsi:nil="true"/>
+    <OpenTemplate xmlns="4873beb7-5857-4685-be1f-d57550cc96cc">true</OpenTemplate>
+    <CSXSubmissionDate xmlns="4873beb7-5857-4685-be1f-d57550cc96cc" xsi:nil="true"/>
+    <TaxCatchAll xmlns="4873beb7-5857-4685-be1f-d57550cc96cc"/>
+    <Manager xmlns="4873beb7-5857-4685-be1f-d57550cc96cc" xsi:nil="true"/>
+    <NumericId xmlns="4873beb7-5857-4685-be1f-d57550cc96cc" xsi:nil="true"/>
+    <ParentAssetId xmlns="4873beb7-5857-4685-be1f-d57550cc96cc" xsi:nil="true"/>
+    <OriginalSourceMarket xmlns="4873beb7-5857-4685-be1f-d57550cc96cc" xsi:nil="true"/>
+    <ApprovalStatus xmlns="4873beb7-5857-4685-be1f-d57550cc96cc">InProgress</ApprovalStatus>
+    <TPComponent xmlns="4873beb7-5857-4685-be1f-d57550cc96cc" xsi:nil="true"/>
+    <EditorialTags xmlns="4873beb7-5857-4685-be1f-d57550cc96cc" xsi:nil="true"/>
+    <TPExecutable xmlns="4873beb7-5857-4685-be1f-d57550cc96cc" xsi:nil="true"/>
+    <TPLaunchHelpLink xmlns="4873beb7-5857-4685-be1f-d57550cc96cc" xsi:nil="true"/>
+    <LocComments xmlns="4873beb7-5857-4685-be1f-d57550cc96cc" xsi:nil="true"/>
+    <LocRecommendedHandoff xmlns="4873beb7-5857-4685-be1f-d57550cc96cc" xsi:nil="true"/>
+    <SourceTitle xmlns="4873beb7-5857-4685-be1f-d57550cc96cc" xsi:nil="true"/>
+    <CSXUpdate xmlns="4873beb7-5857-4685-be1f-d57550cc96cc">false</CSXUpdate>
+    <IntlLocPriority xmlns="4873beb7-5857-4685-be1f-d57550cc96cc" xsi:nil="true"/>
+    <UAProjectedTotalWords xmlns="4873beb7-5857-4685-be1f-d57550cc96cc" xsi:nil="true"/>
+    <AssetType xmlns="4873beb7-5857-4685-be1f-d57550cc96cc">TP</AssetType>
+    <MachineTranslated xmlns="4873beb7-5857-4685-be1f-d57550cc96cc">false</MachineTranslated>
+    <OutputCachingOn xmlns="4873beb7-5857-4685-be1f-d57550cc96cc">false</OutputCachingOn>
+    <TemplateStatus xmlns="4873beb7-5857-4685-be1f-d57550cc96cc">Complete</TemplateStatus>
+    <IsSearchable xmlns="4873beb7-5857-4685-be1f-d57550cc96cc">true</IsSearchable>
+    <ContentItem xmlns="4873beb7-5857-4685-be1f-d57550cc96cc" xsi:nil="true"/>
+    <HandoffToMSDN xmlns="4873beb7-5857-4685-be1f-d57550cc96cc" xsi:nil="true"/>
+    <ShowIn xmlns="4873beb7-5857-4685-be1f-d57550cc96cc">Show everywhere</ShowIn>
+    <ThumbnailAssetId xmlns="4873beb7-5857-4685-be1f-d57550cc96cc" xsi:nil="true"/>
+    <UALocComments xmlns="4873beb7-5857-4685-be1f-d57550cc96cc" xsi:nil="true"/>
+    <UALocRecommendation xmlns="4873beb7-5857-4685-be1f-d57550cc96cc">Localize</UALocRecommendation>
+    <LastModifiedDateTime xmlns="4873beb7-5857-4685-be1f-d57550cc96cc" xsi:nil="true"/>
+    <LegacyData xmlns="4873beb7-5857-4685-be1f-d57550cc96cc" xsi:nil="true"/>
+    <LocManualTestRequired xmlns="4873beb7-5857-4685-be1f-d57550cc96cc">false</LocManualTestRequired>
+    <LocMarketGroupTiers2 xmlns="4873beb7-5857-4685-be1f-d57550cc96cc" xsi:nil="true"/>
+    <ClipArtFilename xmlns="4873beb7-5857-4685-be1f-d57550cc96cc" xsi:nil="true"/>
+    <TPApplication xmlns="4873beb7-5857-4685-be1f-d57550cc96cc" xsi:nil="true"/>
+    <CSXHash xmlns="4873beb7-5857-4685-be1f-d57550cc96cc" xsi:nil="true"/>
+    <DirectSourceMarket xmlns="4873beb7-5857-4685-be1f-d57550cc96cc" xsi:nil="true"/>
+    <PrimaryImageGen xmlns="4873beb7-5857-4685-be1f-d57550cc96cc">true</PrimaryImageGen>
+    <PlannedPubDate xmlns="4873beb7-5857-4685-be1f-d57550cc96cc" xsi:nil="true"/>
+    <CSXSubmissionMarket xmlns="4873beb7-5857-4685-be1f-d57550cc96cc" xsi:nil="true"/>
+    <Downloads xmlns="4873beb7-5857-4685-be1f-d57550cc96cc">0</Downloads>
+    <ArtSampleDocs xmlns="4873beb7-5857-4685-be1f-d57550cc96cc" xsi:nil="true"/>
+    <TrustLevel xmlns="4873beb7-5857-4685-be1f-d57550cc96cc">1 Microsoft Managed Content</TrustLevel>
+    <BlockPublish xmlns="4873beb7-5857-4685-be1f-d57550cc96cc">false</BlockPublish>
+    <TPLaunchHelpLinkType xmlns="4873beb7-5857-4685-be1f-d57550cc96cc">Template</TPLaunchHelpLinkType>
+    <LocalizationTagsTaxHTField0 xmlns="4873beb7-5857-4685-be1f-d57550cc96cc">
+      <Terms xmlns="http://schemas.microsoft.com/office/infopath/2007/PartnerControls"/>
+    </LocalizationTagsTaxHTField0>
+    <BusinessGroup xmlns="4873beb7-5857-4685-be1f-d57550cc96cc" xsi:nil="true"/>
+    <Providers xmlns="4873beb7-5857-4685-be1f-d57550cc96cc" xsi:nil="true"/>
+    <TemplateTemplateType xmlns="4873beb7-5857-4685-be1f-d57550cc96cc">PowerPoint Presentation Template</TemplateTemplateType>
+    <TimesCloned xmlns="4873beb7-5857-4685-be1f-d57550cc96cc" xsi:nil="true"/>
+    <TPAppVersion xmlns="4873beb7-5857-4685-be1f-d57550cc96cc" xsi:nil="true"/>
+    <VoteCount xmlns="4873beb7-5857-4685-be1f-d57550cc96cc" xsi:nil="true"/>
+    <AverageRating xmlns="4873beb7-5857-4685-be1f-d57550cc96cc" xsi:nil="true"/>
+    <FeatureTagsTaxHTField0 xmlns="4873beb7-5857-4685-be1f-d57550cc96cc">
+      <Terms xmlns="http://schemas.microsoft.com/office/infopath/2007/PartnerControls"/>
+    </FeatureTagsTaxHTField0>
+    <Provider xmlns="4873beb7-5857-4685-be1f-d57550cc96cc" xsi:nil="true"/>
+    <UACurrentWords xmlns="4873beb7-5857-4685-be1f-d57550cc96cc" xsi:nil="true"/>
+    <AssetId xmlns="4873beb7-5857-4685-be1f-d57550cc96cc">TP103431361</AssetId>
+    <TPClientViewer xmlns="4873beb7-5857-4685-be1f-d57550cc96cc" xsi:nil="true"/>
+    <DSATActionTaken xmlns="4873beb7-5857-4685-be1f-d57550cc96cc" xsi:nil="true"/>
+    <APEditor xmlns="4873beb7-5857-4685-be1f-d57550cc96cc">
+      <UserInfo>
+        <DisplayName/>
+        <AccountId xsi:nil="true"/>
+        <AccountType/>
+      </UserInfo>
+    </APEditor>
+    <TPInstallLocation xmlns="4873beb7-5857-4685-be1f-d57550cc96cc" xsi:nil="true"/>
+    <OOCacheId xmlns="4873beb7-5857-4685-be1f-d57550cc96cc" xsi:nil="true"/>
+    <IsDeleted xmlns="4873beb7-5857-4685-be1f-d57550cc96cc">false</IsDeleted>
+    <PublishTargets xmlns="4873beb7-5857-4685-be1f-d57550cc96cc">OfficeOnlineVNext</PublishTargets>
+    <ApprovalLog xmlns="4873beb7-5857-4685-be1f-d57550cc96cc" xsi:nil="true"/>
+    <BugNumber xmlns="4873beb7-5857-4685-be1f-d57550cc96cc" xsi:nil="true"/>
+    <CrawlForDependencies xmlns="4873beb7-5857-4685-be1f-d57550cc96cc">false</CrawlForDependencies>
+    <InternalTagsTaxHTField0 xmlns="4873beb7-5857-4685-be1f-d57550cc96cc">
+      <Terms xmlns="http://schemas.microsoft.com/office/infopath/2007/PartnerControls"/>
+    </InternalTagsTaxHTField0>
+    <LastHandOff xmlns="4873beb7-5857-4685-be1f-d57550cc96cc" xsi:nil="true"/>
+    <Milestone xmlns="4873beb7-5857-4685-be1f-d57550cc96cc" xsi:nil="true"/>
+    <OriginalRelease xmlns="4873beb7-5857-4685-be1f-d57550cc96cc">15</OriginalRelease>
+    <RecommendationsModifier xmlns="4873beb7-5857-4685-be1f-d57550cc96cc" xsi:nil="true"/>
+    <ScenarioTagsTaxHTField0 xmlns="4873beb7-5857-4685-be1f-d57550cc96cc">
+      <Terms xmlns="http://schemas.microsoft.com/office/infopath/2007/PartnerControls"/>
+    </ScenarioTagsTaxHTField0>
+    <UANotes xmlns="4873beb7-5857-4685-be1f-d57550cc96cc" xsi:nil="true"/>
+  </documentManagement>
+</p:properties>
+</file>
+
+<file path=customXml/item3.xml><?xml version="1.0" encoding="utf-8"?>
 <ct:contentTypeSchema xmlns:ct="http://schemas.microsoft.com/office/2006/metadata/contentType" xmlns:ma="http://schemas.microsoft.com/office/2006/metadata/properties/metaAttributes" ct:_="" ma:_="" ma:contentTypeName="TemplateFile" ma:contentTypeID="0x0101006EDDDB5EE6D98C44930B742096920B300400F5B6D36B3EF94B4E9A635CDF2A18F5B8" ma:contentTypeVersion="72" ma:contentTypeDescription="Create a new document." ma:contentTypeScope="" ma:versionID="a23e56308344d904b51738559c3d67c9">
   <xsd:schema xmlns:xsd="http://www.w3.org/2001/XMLSchema" xmlns:xs="http://www.w3.org/2001/XMLSchema" xmlns:p="http://schemas.microsoft.com/office/2006/metadata/properties" xmlns:ns2="4873beb7-5857-4685-be1f-d57550cc96cc" targetNamespace="http://schemas.microsoft.com/office/2006/metadata/properties" ma:root="true" ma:fieldsID="cd0908cc4600e77bf5da051303e00c8d" ns2:_="">
     <xsd:import namespace="4873beb7-5857-4685-be1f-d57550cc96cc"/>
@@ -22658,132 +22722,6 @@
 </ct:contentTypeSchema>
 </file>
 
-<file path=customXml/item3.xml><?xml version="1.0" encoding="utf-8"?>
-<p:properties xmlns:p="http://schemas.microsoft.com/office/2006/metadata/properties" xmlns:xsi="http://www.w3.org/2001/XMLSchema-instance" xmlns:pc="http://schemas.microsoft.com/office/infopath/2007/PartnerControls">
-  <documentManagement>
-    <APDescription xmlns="4873beb7-5857-4685-be1f-d57550cc96cc" xsi:nil="true"/>
-    <AssetExpire xmlns="4873beb7-5857-4685-be1f-d57550cc96cc">2029-01-01T08:00:00+00:00</AssetExpire>
-    <CampaignTagsTaxHTField0 xmlns="4873beb7-5857-4685-be1f-d57550cc96cc">
-      <Terms xmlns="http://schemas.microsoft.com/office/infopath/2007/PartnerControls"/>
-    </CampaignTagsTaxHTField0>
-    <IntlLangReviewDate xmlns="4873beb7-5857-4685-be1f-d57550cc96cc" xsi:nil="true"/>
-    <TPFriendlyName xmlns="4873beb7-5857-4685-be1f-d57550cc96cc" xsi:nil="true"/>
-    <IntlLangReview xmlns="4873beb7-5857-4685-be1f-d57550cc96cc">false</IntlLangReview>
-    <LocLastLocAttemptVersionLookup xmlns="4873beb7-5857-4685-be1f-d57550cc96cc">855024</LocLastLocAttemptVersionLookup>
-    <PolicheckWords xmlns="4873beb7-5857-4685-be1f-d57550cc96cc" xsi:nil="true"/>
-    <SubmitterId xmlns="4873beb7-5857-4685-be1f-d57550cc96cc" xsi:nil="true"/>
-    <AcquiredFrom xmlns="4873beb7-5857-4685-be1f-d57550cc96cc">Internal MS</AcquiredFrom>
-    <EditorialStatus xmlns="4873beb7-5857-4685-be1f-d57550cc96cc">Complete</EditorialStatus>
-    <Markets xmlns="4873beb7-5857-4685-be1f-d57550cc96cc"/>
-    <OriginAsset xmlns="4873beb7-5857-4685-be1f-d57550cc96cc" xsi:nil="true"/>
-    <AssetStart xmlns="4873beb7-5857-4685-be1f-d57550cc96cc">2012-08-31T08:50:00+00:00</AssetStart>
-    <FriendlyTitle xmlns="4873beb7-5857-4685-be1f-d57550cc96cc" xsi:nil="true"/>
-    <MarketSpecific xmlns="4873beb7-5857-4685-be1f-d57550cc96cc">false</MarketSpecific>
-    <TPNamespace xmlns="4873beb7-5857-4685-be1f-d57550cc96cc" xsi:nil="true"/>
-    <PublishStatusLookup xmlns="4873beb7-5857-4685-be1f-d57550cc96cc">
-      <Value>1616423</Value>
-    </PublishStatusLookup>
-    <APAuthor xmlns="4873beb7-5857-4685-be1f-d57550cc96cc">
-      <UserInfo>
-        <DisplayName>REDMOND\kristaa</DisplayName>
-        <AccountId>136</AccountId>
-        <AccountType/>
-      </UserInfo>
-    </APAuthor>
-    <TPCommandLine xmlns="4873beb7-5857-4685-be1f-d57550cc96cc" xsi:nil="true"/>
-    <IntlLangReviewer xmlns="4873beb7-5857-4685-be1f-d57550cc96cc" xsi:nil="true"/>
-    <OpenTemplate xmlns="4873beb7-5857-4685-be1f-d57550cc96cc">true</OpenTemplate>
-    <CSXSubmissionDate xmlns="4873beb7-5857-4685-be1f-d57550cc96cc" xsi:nil="true"/>
-    <TaxCatchAll xmlns="4873beb7-5857-4685-be1f-d57550cc96cc"/>
-    <Manager xmlns="4873beb7-5857-4685-be1f-d57550cc96cc" xsi:nil="true"/>
-    <NumericId xmlns="4873beb7-5857-4685-be1f-d57550cc96cc" xsi:nil="true"/>
-    <ParentAssetId xmlns="4873beb7-5857-4685-be1f-d57550cc96cc" xsi:nil="true"/>
-    <OriginalSourceMarket xmlns="4873beb7-5857-4685-be1f-d57550cc96cc" xsi:nil="true"/>
-    <ApprovalStatus xmlns="4873beb7-5857-4685-be1f-d57550cc96cc">InProgress</ApprovalStatus>
-    <TPComponent xmlns="4873beb7-5857-4685-be1f-d57550cc96cc" xsi:nil="true"/>
-    <EditorialTags xmlns="4873beb7-5857-4685-be1f-d57550cc96cc" xsi:nil="true"/>
-    <TPExecutable xmlns="4873beb7-5857-4685-be1f-d57550cc96cc" xsi:nil="true"/>
-    <TPLaunchHelpLink xmlns="4873beb7-5857-4685-be1f-d57550cc96cc" xsi:nil="true"/>
-    <LocComments xmlns="4873beb7-5857-4685-be1f-d57550cc96cc" xsi:nil="true"/>
-    <LocRecommendedHandoff xmlns="4873beb7-5857-4685-be1f-d57550cc96cc" xsi:nil="true"/>
-    <SourceTitle xmlns="4873beb7-5857-4685-be1f-d57550cc96cc" xsi:nil="true"/>
-    <CSXUpdate xmlns="4873beb7-5857-4685-be1f-d57550cc96cc">false</CSXUpdate>
-    <IntlLocPriority xmlns="4873beb7-5857-4685-be1f-d57550cc96cc" xsi:nil="true"/>
-    <UAProjectedTotalWords xmlns="4873beb7-5857-4685-be1f-d57550cc96cc" xsi:nil="true"/>
-    <AssetType xmlns="4873beb7-5857-4685-be1f-d57550cc96cc">TP</AssetType>
-    <MachineTranslated xmlns="4873beb7-5857-4685-be1f-d57550cc96cc">false</MachineTranslated>
-    <OutputCachingOn xmlns="4873beb7-5857-4685-be1f-d57550cc96cc">false</OutputCachingOn>
-    <TemplateStatus xmlns="4873beb7-5857-4685-be1f-d57550cc96cc">Complete</TemplateStatus>
-    <IsSearchable xmlns="4873beb7-5857-4685-be1f-d57550cc96cc">true</IsSearchable>
-    <ContentItem xmlns="4873beb7-5857-4685-be1f-d57550cc96cc" xsi:nil="true"/>
-    <HandoffToMSDN xmlns="4873beb7-5857-4685-be1f-d57550cc96cc" xsi:nil="true"/>
-    <ShowIn xmlns="4873beb7-5857-4685-be1f-d57550cc96cc">Show everywhere</ShowIn>
-    <ThumbnailAssetId xmlns="4873beb7-5857-4685-be1f-d57550cc96cc" xsi:nil="true"/>
-    <UALocComments xmlns="4873beb7-5857-4685-be1f-d57550cc96cc" xsi:nil="true"/>
-    <UALocRecommendation xmlns="4873beb7-5857-4685-be1f-d57550cc96cc">Localize</UALocRecommendation>
-    <LastModifiedDateTime xmlns="4873beb7-5857-4685-be1f-d57550cc96cc" xsi:nil="true"/>
-    <LegacyData xmlns="4873beb7-5857-4685-be1f-d57550cc96cc" xsi:nil="true"/>
-    <LocManualTestRequired xmlns="4873beb7-5857-4685-be1f-d57550cc96cc">false</LocManualTestRequired>
-    <LocMarketGroupTiers2 xmlns="4873beb7-5857-4685-be1f-d57550cc96cc" xsi:nil="true"/>
-    <ClipArtFilename xmlns="4873beb7-5857-4685-be1f-d57550cc96cc" xsi:nil="true"/>
-    <TPApplication xmlns="4873beb7-5857-4685-be1f-d57550cc96cc" xsi:nil="true"/>
-    <CSXHash xmlns="4873beb7-5857-4685-be1f-d57550cc96cc" xsi:nil="true"/>
-    <DirectSourceMarket xmlns="4873beb7-5857-4685-be1f-d57550cc96cc" xsi:nil="true"/>
-    <PrimaryImageGen xmlns="4873beb7-5857-4685-be1f-d57550cc96cc">true</PrimaryImageGen>
-    <PlannedPubDate xmlns="4873beb7-5857-4685-be1f-d57550cc96cc" xsi:nil="true"/>
-    <CSXSubmissionMarket xmlns="4873beb7-5857-4685-be1f-d57550cc96cc" xsi:nil="true"/>
-    <Downloads xmlns="4873beb7-5857-4685-be1f-d57550cc96cc">0</Downloads>
-    <ArtSampleDocs xmlns="4873beb7-5857-4685-be1f-d57550cc96cc" xsi:nil="true"/>
-    <TrustLevel xmlns="4873beb7-5857-4685-be1f-d57550cc96cc">1 Microsoft Managed Content</TrustLevel>
-    <BlockPublish xmlns="4873beb7-5857-4685-be1f-d57550cc96cc">false</BlockPublish>
-    <TPLaunchHelpLinkType xmlns="4873beb7-5857-4685-be1f-d57550cc96cc">Template</TPLaunchHelpLinkType>
-    <LocalizationTagsTaxHTField0 xmlns="4873beb7-5857-4685-be1f-d57550cc96cc">
-      <Terms xmlns="http://schemas.microsoft.com/office/infopath/2007/PartnerControls"/>
-    </LocalizationTagsTaxHTField0>
-    <BusinessGroup xmlns="4873beb7-5857-4685-be1f-d57550cc96cc" xsi:nil="true"/>
-    <Providers xmlns="4873beb7-5857-4685-be1f-d57550cc96cc" xsi:nil="true"/>
-    <TemplateTemplateType xmlns="4873beb7-5857-4685-be1f-d57550cc96cc">PowerPoint Presentation Template</TemplateTemplateType>
-    <TimesCloned xmlns="4873beb7-5857-4685-be1f-d57550cc96cc" xsi:nil="true"/>
-    <TPAppVersion xmlns="4873beb7-5857-4685-be1f-d57550cc96cc" xsi:nil="true"/>
-    <VoteCount xmlns="4873beb7-5857-4685-be1f-d57550cc96cc" xsi:nil="true"/>
-    <AverageRating xmlns="4873beb7-5857-4685-be1f-d57550cc96cc" xsi:nil="true"/>
-    <FeatureTagsTaxHTField0 xmlns="4873beb7-5857-4685-be1f-d57550cc96cc">
-      <Terms xmlns="http://schemas.microsoft.com/office/infopath/2007/PartnerControls"/>
-    </FeatureTagsTaxHTField0>
-    <Provider xmlns="4873beb7-5857-4685-be1f-d57550cc96cc" xsi:nil="true"/>
-    <UACurrentWords xmlns="4873beb7-5857-4685-be1f-d57550cc96cc" xsi:nil="true"/>
-    <AssetId xmlns="4873beb7-5857-4685-be1f-d57550cc96cc">TP103431361</AssetId>
-    <TPClientViewer xmlns="4873beb7-5857-4685-be1f-d57550cc96cc" xsi:nil="true"/>
-    <DSATActionTaken xmlns="4873beb7-5857-4685-be1f-d57550cc96cc" xsi:nil="true"/>
-    <APEditor xmlns="4873beb7-5857-4685-be1f-d57550cc96cc">
-      <UserInfo>
-        <DisplayName/>
-        <AccountId xsi:nil="true"/>
-        <AccountType/>
-      </UserInfo>
-    </APEditor>
-    <TPInstallLocation xmlns="4873beb7-5857-4685-be1f-d57550cc96cc" xsi:nil="true"/>
-    <OOCacheId xmlns="4873beb7-5857-4685-be1f-d57550cc96cc" xsi:nil="true"/>
-    <IsDeleted xmlns="4873beb7-5857-4685-be1f-d57550cc96cc">false</IsDeleted>
-    <PublishTargets xmlns="4873beb7-5857-4685-be1f-d57550cc96cc">OfficeOnlineVNext</PublishTargets>
-    <ApprovalLog xmlns="4873beb7-5857-4685-be1f-d57550cc96cc" xsi:nil="true"/>
-    <BugNumber xmlns="4873beb7-5857-4685-be1f-d57550cc96cc" xsi:nil="true"/>
-    <CrawlForDependencies xmlns="4873beb7-5857-4685-be1f-d57550cc96cc">false</CrawlForDependencies>
-    <InternalTagsTaxHTField0 xmlns="4873beb7-5857-4685-be1f-d57550cc96cc">
-      <Terms xmlns="http://schemas.microsoft.com/office/infopath/2007/PartnerControls"/>
-    </InternalTagsTaxHTField0>
-    <LastHandOff xmlns="4873beb7-5857-4685-be1f-d57550cc96cc" xsi:nil="true"/>
-    <Milestone xmlns="4873beb7-5857-4685-be1f-d57550cc96cc" xsi:nil="true"/>
-    <OriginalRelease xmlns="4873beb7-5857-4685-be1f-d57550cc96cc">15</OriginalRelease>
-    <RecommendationsModifier xmlns="4873beb7-5857-4685-be1f-d57550cc96cc" xsi:nil="true"/>
-    <ScenarioTagsTaxHTField0 xmlns="4873beb7-5857-4685-be1f-d57550cc96cc">
-      <Terms xmlns="http://schemas.microsoft.com/office/infopath/2007/PartnerControls"/>
-    </ScenarioTagsTaxHTField0>
-    <UANotes xmlns="4873beb7-5857-4685-be1f-d57550cc96cc" xsi:nil="true"/>
-  </documentManagement>
-</p:properties>
-</file>
-
 <file path=customXml/itemProps1.xml><?xml version="1.0" encoding="utf-8"?>
 <ds:datastoreItem xmlns:ds="http://schemas.openxmlformats.org/officeDocument/2006/customXml" ds:itemID="{561E720F-F05D-4536-9C34-0CFCED65D3B7}">
   <ds:schemaRefs>
@@ -22793,6 +22731,22 @@
 </file>
 
 <file path=customXml/itemProps2.xml><?xml version="1.0" encoding="utf-8"?>
+<ds:datastoreItem xmlns:ds="http://schemas.openxmlformats.org/officeDocument/2006/customXml" ds:itemID="{8CDDBB83-77C1-4099-A0AA-289882E745E2}">
+  <ds:schemaRefs>
+    <ds:schemaRef ds:uri="http://purl.org/dc/elements/1.1/"/>
+    <ds:schemaRef ds:uri="http://purl.org/dc/dcmitype/"/>
+    <ds:schemaRef ds:uri="http://schemas.microsoft.com/office/2006/metadata/properties"/>
+    <ds:schemaRef ds:uri="http://schemas.microsoft.com/office/2006/documentManagement/types"/>
+    <ds:schemaRef ds:uri="http://www.w3.org/XML/1998/namespace"/>
+    <ds:schemaRef ds:uri="http://schemas.microsoft.com/office/infopath/2007/PartnerControls"/>
+    <ds:schemaRef ds:uri="http://schemas.openxmlformats.org/package/2006/metadata/core-properties"/>
+    <ds:schemaRef ds:uri="4873beb7-5857-4685-be1f-d57550cc96cc"/>
+    <ds:schemaRef ds:uri="http://purl.org/dc/terms/"/>
+  </ds:schemaRefs>
+</ds:datastoreItem>
+</file>
+
+<file path=customXml/itemProps3.xml><?xml version="1.0" encoding="utf-8"?>
 <ds:datastoreItem xmlns:ds="http://schemas.openxmlformats.org/officeDocument/2006/customXml" ds:itemID="{28C8B9CA-0273-4370-889A-FC05DA5C2FA5}">
   <ds:schemaRefs>
     <ds:schemaRef ds:uri="http://schemas.microsoft.com/office/2006/metadata/contentType"/>
@@ -22808,20 +22762,4 @@
     <ds:schemaRef ds:uri="http://schemas.microsoft.com/internal/obd"/>
   </ds:schemaRefs>
 </ds:datastoreItem>
-</file>
-
-<file path=customXml/itemProps3.xml><?xml version="1.0" encoding="utf-8"?>
-<ds:datastoreItem xmlns:ds="http://schemas.openxmlformats.org/officeDocument/2006/customXml" ds:itemID="{8CDDBB83-77C1-4099-A0AA-289882E745E2}">
-  <ds:schemaRefs>
-    <ds:schemaRef ds:uri="http://purl.org/dc/elements/1.1/"/>
-    <ds:schemaRef ds:uri="http://purl.org/dc/dcmitype/"/>
-    <ds:schemaRef ds:uri="http://schemas.microsoft.com/office/2006/metadata/properties"/>
-    <ds:schemaRef ds:uri="http://schemas.microsoft.com/office/2006/documentManagement/types"/>
-    <ds:schemaRef ds:uri="http://www.w3.org/XML/1998/namespace"/>
-    <ds:schemaRef ds:uri="http://schemas.microsoft.com/office/infopath/2007/PartnerControls"/>
-    <ds:schemaRef ds:uri="http://schemas.openxmlformats.org/package/2006/metadata/core-properties"/>
-    <ds:schemaRef ds:uri="4873beb7-5857-4685-be1f-d57550cc96cc"/>
-    <ds:schemaRef ds:uri="http://purl.org/dc/terms/"/>
-  </ds:schemaRefs>
-</ds:datastoreItem>
 </file>
--- a/Online Examination System.pptx
+++ b/Online Examination System.pptx
@@ -10748,13 +10748,7 @@
               <a:rPr lang="en-US" sz="4800" i="1" dirty="0" smtClean="0">
                 <a:latin typeface="Monotype Corsiva" panose="03010101010201010101" pitchFamily="66" charset="0"/>
               </a:rPr>
-              <a:t>Team-4 : Online </a:t>
-            </a:r>
-            <a:r>
-              <a:rPr lang="en-US" sz="4800" i="1" dirty="0" smtClean="0">
-                <a:latin typeface="Monotype Corsiva" panose="03010101010201010101" pitchFamily="66" charset="0"/>
-              </a:rPr>
-              <a:t>Examination System</a:t>
+              <a:t>Team-4 : Online Examination System</a:t>
             </a:r>
             <a:endParaRPr lang="en-US" sz="4800" i="1" dirty="0">
               <a:latin typeface="Monotype Corsiva" panose="03010101010201010101" pitchFamily="66" charset="0"/>
@@ -10832,17 +10826,7 @@
                   </a:schemeClr>
                 </a:solidFill>
               </a:rPr>
-              <a:t>         Saloni Bisht </a:t>
-            </a:r>
-            <a:r>
-              <a:rPr lang="en-US" dirty="0" smtClean="0">
-                <a:solidFill>
-                  <a:schemeClr val="tx1">
-                    <a:lumMod val="50000"/>
-                  </a:schemeClr>
-                </a:solidFill>
-              </a:rPr>
-              <a:t>– 10670497</a:t>
+              <a:t>         Saloni Bisht – 10670497</a:t>
             </a:r>
           </a:p>
           <a:p>
@@ -10861,11 +10845,6 @@
               </a:rPr>
               <a:t>Batch -  848 . NET</a:t>
             </a:r>
-            <a:endParaRPr lang="en-US" dirty="0" smtClean="0">
-              <a:solidFill>
-                <a:srgbClr val="C00000"/>
-              </a:solidFill>
-            </a:endParaRPr>
           </a:p>
         </p:txBody>
       </p:sp>
@@ -10918,7 +10897,7 @@
                 <a14:useLocalDpi xmlns:a14="http://schemas.microsoft.com/office/drawing/2010/main" val="0"/>
               </a:ext>
               <a:ext uri="{96DAC541-7B7A-43D3-8B79-37D633B846F1}">
-                <asvg:svgBlip xmlns="" xmlns:asvg="http://schemas.microsoft.com/office/drawing/2016/SVG/main" r:embed="rId10"/>
+                <asvg:svgBlip xmlns:asvg="http://schemas.microsoft.com/office/drawing/2016/SVG/main" xmlns="" r:embed="rId10"/>
               </a:ext>
             </a:extLst>
           </a:blip>
@@ -10957,7 +10936,7 @@
                 <a14:useLocalDpi xmlns:a14="http://schemas.microsoft.com/office/drawing/2010/main" val="0"/>
               </a:ext>
               <a:ext uri="{96DAC541-7B7A-43D3-8B79-37D633B846F1}">
-                <asvg:svgBlip xmlns="" xmlns:asvg="http://schemas.microsoft.com/office/drawing/2016/SVG/main" r:embed="rId12"/>
+                <asvg:svgBlip xmlns:asvg="http://schemas.microsoft.com/office/drawing/2016/SVG/main" xmlns="" r:embed="rId12"/>
               </a:ext>
             </a:extLst>
           </a:blip>
@@ -15642,7 +15621,7 @@
         <p:spPr>
           <a:xfrm>
             <a:off x="891144" y="1982234"/>
-            <a:ext cx="6096000" cy="4247317"/>
+            <a:ext cx="6096000" cy="4801314"/>
           </a:xfrm>
           <a:prstGeom prst="rect">
             <a:avLst/>
@@ -15684,8 +15663,179 @@
                   </a:schemeClr>
                 </a:solidFill>
               </a:rPr>
-              <a:t>User Table</a:t>
+              <a:t>User </a:t>
             </a:r>
+            <a:r>
+              <a:rPr lang="en-US" dirty="0" smtClean="0">
+                <a:solidFill>
+                  <a:schemeClr val="tx2">
+                    <a:lumMod val="65000"/>
+                    <a:lumOff val="35000"/>
+                  </a:schemeClr>
+                </a:solidFill>
+              </a:rPr>
+              <a:t>Table</a:t>
+            </a:r>
+          </a:p>
+          <a:p>
+            <a:endParaRPr lang="en-US" dirty="0" smtClean="0">
+              <a:solidFill>
+                <a:schemeClr val="tx2">
+                  <a:lumMod val="65000"/>
+                  <a:lumOff val="35000"/>
+                </a:schemeClr>
+              </a:solidFill>
+            </a:endParaRPr>
+          </a:p>
+          <a:p>
+            <a:pPr marL="285750" indent="-285750">
+              <a:buFont typeface="Courier New" panose="02070309020205020404" pitchFamily="49" charset="0"/>
+              <a:buChar char="o"/>
+            </a:pPr>
+            <a:r>
+              <a:rPr lang="en-US" dirty="0">
+                <a:solidFill>
+                  <a:schemeClr val="tx2">
+                    <a:lumMod val="65000"/>
+                    <a:lumOff val="35000"/>
+                  </a:schemeClr>
+                </a:solidFill>
+              </a:rPr>
+              <a:t>Admin </a:t>
+            </a:r>
+            <a:r>
+              <a:rPr lang="en-US" dirty="0" smtClean="0">
+                <a:solidFill>
+                  <a:schemeClr val="tx2">
+                    <a:lumMod val="65000"/>
+                    <a:lumOff val="35000"/>
+                  </a:schemeClr>
+                </a:solidFill>
+              </a:rPr>
+              <a:t>Table</a:t>
+            </a:r>
+          </a:p>
+          <a:p>
+            <a:endParaRPr lang="en-US" dirty="0" smtClean="0">
+              <a:solidFill>
+                <a:schemeClr val="tx2">
+                  <a:lumMod val="65000"/>
+                  <a:lumOff val="35000"/>
+                </a:schemeClr>
+              </a:solidFill>
+            </a:endParaRPr>
+          </a:p>
+          <a:p>
+            <a:pPr marL="285750" indent="-285750">
+              <a:buFont typeface="Courier New" panose="02070309020205020404" pitchFamily="49" charset="0"/>
+              <a:buChar char="o"/>
+            </a:pPr>
+            <a:r>
+              <a:rPr lang="en-US" dirty="0">
+                <a:solidFill>
+                  <a:schemeClr val="tx2">
+                    <a:lumMod val="65000"/>
+                    <a:lumOff val="35000"/>
+                  </a:schemeClr>
+                </a:solidFill>
+              </a:rPr>
+              <a:t>Question Files </a:t>
+            </a:r>
+            <a:r>
+              <a:rPr lang="en-US" dirty="0" smtClean="0">
+                <a:solidFill>
+                  <a:schemeClr val="tx2">
+                    <a:lumMod val="65000"/>
+                    <a:lumOff val="35000"/>
+                  </a:schemeClr>
+                </a:solidFill>
+              </a:rPr>
+              <a:t>Table</a:t>
+            </a:r>
+          </a:p>
+          <a:p>
+            <a:endParaRPr lang="en-US" dirty="0">
+              <a:solidFill>
+                <a:schemeClr val="tx2">
+                  <a:lumMod val="65000"/>
+                  <a:lumOff val="35000"/>
+                </a:schemeClr>
+              </a:solidFill>
+            </a:endParaRPr>
+          </a:p>
+          <a:p>
+            <a:pPr marL="285750" indent="-285750">
+              <a:buFont typeface="Courier New" panose="02070309020205020404" pitchFamily="49" charset="0"/>
+              <a:buChar char="o"/>
+            </a:pPr>
+            <a:r>
+              <a:rPr lang="en-US" dirty="0">
+                <a:solidFill>
+                  <a:schemeClr val="tx2">
+                    <a:lumMod val="65000"/>
+                    <a:lumOff val="35000"/>
+                  </a:schemeClr>
+                </a:solidFill>
+              </a:rPr>
+              <a:t>Question </a:t>
+            </a:r>
+            <a:r>
+              <a:rPr lang="en-US" dirty="0" smtClean="0">
+                <a:solidFill>
+                  <a:schemeClr val="tx2">
+                    <a:lumMod val="65000"/>
+                    <a:lumOff val="35000"/>
+                  </a:schemeClr>
+                </a:solidFill>
+              </a:rPr>
+              <a:t>Table</a:t>
+            </a:r>
+          </a:p>
+          <a:p>
+            <a:endParaRPr lang="en-US" dirty="0">
+              <a:solidFill>
+                <a:schemeClr val="tx2">
+                  <a:lumMod val="65000"/>
+                  <a:lumOff val="35000"/>
+                </a:schemeClr>
+              </a:solidFill>
+            </a:endParaRPr>
+          </a:p>
+          <a:p>
+            <a:pPr marL="285750" indent="-285750">
+              <a:buFont typeface="Courier New" panose="02070309020205020404" pitchFamily="49" charset="0"/>
+              <a:buChar char="o"/>
+            </a:pPr>
+            <a:r>
+              <a:rPr lang="en-US" dirty="0">
+                <a:solidFill>
+                  <a:schemeClr val="tx2">
+                    <a:lumMod val="65000"/>
+                    <a:lumOff val="35000"/>
+                  </a:schemeClr>
+                </a:solidFill>
+              </a:rPr>
+              <a:t>Test Structure </a:t>
+            </a:r>
+            <a:r>
+              <a:rPr lang="en-US" dirty="0" smtClean="0">
+                <a:solidFill>
+                  <a:schemeClr val="tx2">
+                    <a:lumMod val="65000"/>
+                    <a:lumOff val="35000"/>
+                  </a:schemeClr>
+                </a:solidFill>
+              </a:rPr>
+              <a:t>Table</a:t>
+            </a:r>
+            <a:endParaRPr lang="en-US" dirty="0" smtClean="0">
+              <a:solidFill>
+                <a:schemeClr val="tx2">
+                  <a:lumMod val="65000"/>
+                  <a:lumOff val="35000"/>
+                </a:schemeClr>
+              </a:solidFill>
+            </a:endParaRPr>
           </a:p>
           <a:p>
             <a:endParaRPr lang="en-US" dirty="0" smtClean="0">
@@ -15752,23 +15902,6 @@
             </a:endParaRPr>
           </a:p>
           <a:p>
-            <a:pPr marL="285750" indent="-285750">
-              <a:buFont typeface="Courier New" panose="02070309020205020404" pitchFamily="49" charset="0"/>
-              <a:buChar char="o"/>
-            </a:pPr>
-            <a:r>
-              <a:rPr lang="en-US" dirty="0" smtClean="0">
-                <a:solidFill>
-                  <a:schemeClr val="tx2">
-                    <a:lumMod val="65000"/>
-                    <a:lumOff val="35000"/>
-                  </a:schemeClr>
-                </a:solidFill>
-              </a:rPr>
-              <a:t>Test Structure Table</a:t>
-            </a:r>
-          </a:p>
-          <a:p>
             <a:endParaRPr lang="en-US" dirty="0" smtClean="0">
               <a:solidFill>
                 <a:schemeClr val="tx2">
@@ -15778,619 +15911,32 @@
               </a:solidFill>
             </a:endParaRPr>
           </a:p>
-          <a:p>
-            <a:pPr marL="285750" indent="-285750">
-              <a:buFont typeface="Courier New" panose="02070309020205020404" pitchFamily="49" charset="0"/>
-              <a:buChar char="o"/>
-            </a:pPr>
-            <a:r>
-              <a:rPr lang="en-US" dirty="0" smtClean="0">
-                <a:solidFill>
-                  <a:schemeClr val="tx2">
-                    <a:lumMod val="65000"/>
-                    <a:lumOff val="35000"/>
-                  </a:schemeClr>
-                </a:solidFill>
-              </a:rPr>
-              <a:t>Question Table</a:t>
-            </a:r>
-          </a:p>
-          <a:p>
-            <a:endParaRPr lang="en-US" dirty="0" smtClean="0">
-              <a:solidFill>
-                <a:schemeClr val="tx2">
-                  <a:lumMod val="65000"/>
-                  <a:lumOff val="35000"/>
-                </a:schemeClr>
-              </a:solidFill>
-            </a:endParaRPr>
-          </a:p>
-          <a:p>
-            <a:pPr marL="285750" indent="-285750">
-              <a:buFont typeface="Courier New" panose="02070309020205020404" pitchFamily="49" charset="0"/>
-              <a:buChar char="o"/>
-            </a:pPr>
-            <a:r>
-              <a:rPr lang="en-US" dirty="0" smtClean="0">
-                <a:solidFill>
-                  <a:schemeClr val="tx2">
-                    <a:lumMod val="65000"/>
-                    <a:lumOff val="35000"/>
-                  </a:schemeClr>
-                </a:solidFill>
-              </a:rPr>
-              <a:t>Question Files Table</a:t>
-            </a:r>
-          </a:p>
-          <a:p>
-            <a:endParaRPr lang="en-US" dirty="0" smtClean="0">
-              <a:solidFill>
-                <a:schemeClr val="tx2">
-                  <a:lumMod val="65000"/>
-                  <a:lumOff val="35000"/>
-                </a:schemeClr>
-              </a:solidFill>
-            </a:endParaRPr>
-          </a:p>
-          <a:p>
-            <a:pPr marL="285750" indent="-285750">
-              <a:buFont typeface="Courier New" panose="02070309020205020404" pitchFamily="49" charset="0"/>
-              <a:buChar char="o"/>
-            </a:pPr>
-            <a:r>
-              <a:rPr lang="en-US" dirty="0" smtClean="0">
-                <a:solidFill>
-                  <a:schemeClr val="tx2">
-                    <a:lumMod val="65000"/>
-                    <a:lumOff val="35000"/>
-                  </a:schemeClr>
-                </a:solidFill>
-              </a:rPr>
-              <a:t>Admin Table</a:t>
-            </a:r>
-          </a:p>
         </p:txBody>
       </p:sp>
       <p:pic>
         <p:nvPicPr>
-          <p:cNvPr id="10" name="Picture 9"/>
+          <p:cNvPr id="5" name="Picture 4"/>
           <p:cNvPicPr>
             <a:picLocks noChangeAspect="1"/>
           </p:cNvPicPr>
           <p:nvPr/>
         </p:nvPicPr>
         <p:blipFill>
-          <a:blip r:embed="rId2"/>
+          <a:blip r:embed="rId2">
+            <a:extLst>
+              <a:ext uri="{28A0092B-C50C-407E-A947-70E740481C1C}">
+                <a14:useLocalDpi xmlns:a14="http://schemas.microsoft.com/office/drawing/2010/main" val="0"/>
+              </a:ext>
+            </a:extLst>
+          </a:blip>
           <a:stretch>
             <a:fillRect/>
           </a:stretch>
         </p:blipFill>
         <p:spPr>
           <a:xfrm>
-            <a:off x="6156724" y="1910812"/>
-            <a:ext cx="1721631" cy="2195080"/>
-          </a:xfrm>
-          <a:prstGeom prst="rect">
-            <a:avLst/>
-          </a:prstGeom>
-        </p:spPr>
-      </p:pic>
-      <p:pic>
-        <p:nvPicPr>
-          <p:cNvPr id="11" name="Picture 10"/>
-          <p:cNvPicPr>
-            <a:picLocks noChangeAspect="1"/>
-          </p:cNvPicPr>
-          <p:nvPr/>
-        </p:nvPicPr>
-        <p:blipFill>
-          <a:blip r:embed="rId3"/>
-          <a:stretch>
-            <a:fillRect/>
-          </a:stretch>
-        </p:blipFill>
-        <p:spPr>
-          <a:xfrm>
-            <a:off x="8197422" y="1355457"/>
-            <a:ext cx="1619189" cy="1593757"/>
-          </a:xfrm>
-          <a:prstGeom prst="rect">
-            <a:avLst/>
-          </a:prstGeom>
-        </p:spPr>
-      </p:pic>
-      <p:pic>
-        <p:nvPicPr>
-          <p:cNvPr id="12" name="Picture 11"/>
-          <p:cNvPicPr>
-            <a:picLocks noChangeAspect="1"/>
-          </p:cNvPicPr>
-          <p:nvPr/>
-        </p:nvPicPr>
-        <p:blipFill>
-          <a:blip r:embed="rId4"/>
-          <a:stretch>
-            <a:fillRect/>
-          </a:stretch>
-        </p:blipFill>
-        <p:spPr>
-          <a:xfrm>
-            <a:off x="7791053" y="3144398"/>
-            <a:ext cx="1855709" cy="2589362"/>
-          </a:xfrm>
-          <a:prstGeom prst="rect">
-            <a:avLst/>
-          </a:prstGeom>
-        </p:spPr>
-      </p:pic>
-      <p:pic>
-        <p:nvPicPr>
-          <p:cNvPr id="13" name="Picture 12"/>
-          <p:cNvPicPr>
-            <a:picLocks noChangeAspect="1"/>
-          </p:cNvPicPr>
-          <p:nvPr/>
-        </p:nvPicPr>
-        <p:blipFill>
-          <a:blip r:embed="rId5"/>
-          <a:stretch>
-            <a:fillRect/>
-          </a:stretch>
-        </p:blipFill>
-        <p:spPr>
-          <a:xfrm>
-            <a:off x="9868395" y="2935969"/>
-            <a:ext cx="2032829" cy="2922737"/>
-          </a:xfrm>
-          <a:prstGeom prst="rect">
-            <a:avLst/>
-          </a:prstGeom>
-        </p:spPr>
-      </p:pic>
-      <p:pic>
-        <p:nvPicPr>
-          <p:cNvPr id="14" name="Picture 13"/>
-          <p:cNvPicPr>
-            <a:picLocks noChangeAspect="1"/>
-          </p:cNvPicPr>
-          <p:nvPr/>
-        </p:nvPicPr>
-        <p:blipFill>
-          <a:blip r:embed="rId6"/>
-          <a:stretch>
-            <a:fillRect/>
-          </a:stretch>
-        </p:blipFill>
-        <p:spPr>
-          <a:xfrm>
-            <a:off x="6031013" y="5022157"/>
-            <a:ext cx="1788317" cy="1834171"/>
-          </a:xfrm>
-          <a:prstGeom prst="rect">
-            <a:avLst/>
-          </a:prstGeom>
-        </p:spPr>
-      </p:pic>
-      <p:pic>
-        <p:nvPicPr>
-          <p:cNvPr id="15" name="Picture 14"/>
-          <p:cNvPicPr>
-            <a:picLocks noChangeAspect="1"/>
-          </p:cNvPicPr>
-          <p:nvPr/>
-        </p:nvPicPr>
-        <p:blipFill>
-          <a:blip r:embed="rId7"/>
-          <a:stretch>
-            <a:fillRect/>
-          </a:stretch>
-        </p:blipFill>
-        <p:spPr>
-          <a:xfrm>
-            <a:off x="4249429" y="4213085"/>
-            <a:ext cx="1780745" cy="1762938"/>
-          </a:xfrm>
-          <a:prstGeom prst="rect">
-            <a:avLst/>
-          </a:prstGeom>
-        </p:spPr>
-      </p:pic>
-      <p:cxnSp>
-        <p:nvCxnSpPr>
-          <p:cNvPr id="17" name="Straight Connector 16"/>
-          <p:cNvCxnSpPr>
-            <a:endCxn id="14" idx="1"/>
-          </p:cNvCxnSpPr>
-          <p:nvPr/>
-        </p:nvCxnSpPr>
-        <p:spPr>
-          <a:xfrm>
-            <a:off x="6030174" y="5367647"/>
-            <a:ext cx="839" cy="571596"/>
-          </a:xfrm>
-          <a:prstGeom prst="line">
-            <a:avLst/>
-          </a:prstGeom>
-          <a:ln>
-            <a:solidFill>
-              <a:schemeClr val="tx2">
-                <a:lumMod val="95000"/>
-                <a:lumOff val="5000"/>
-              </a:schemeClr>
-            </a:solidFill>
-          </a:ln>
-        </p:spPr>
-        <p:style>
-          <a:lnRef idx="1">
-            <a:schemeClr val="accent1"/>
-          </a:lnRef>
-          <a:fillRef idx="0">
-            <a:schemeClr val="accent1"/>
-          </a:fillRef>
-          <a:effectRef idx="0">
-            <a:schemeClr val="accent1"/>
-          </a:effectRef>
-          <a:fontRef idx="minor">
-            <a:schemeClr val="tx1"/>
-          </a:fontRef>
-        </p:style>
-      </p:cxnSp>
-      <p:cxnSp>
-        <p:nvCxnSpPr>
-          <p:cNvPr id="18" name="Straight Connector 17"/>
-          <p:cNvCxnSpPr/>
-          <p:nvPr/>
-        </p:nvCxnSpPr>
-        <p:spPr>
-          <a:xfrm>
-            <a:off x="9868395" y="4524499"/>
-            <a:ext cx="0" cy="1414743"/>
-          </a:xfrm>
-          <a:prstGeom prst="line">
-            <a:avLst/>
-          </a:prstGeom>
-          <a:ln>
-            <a:solidFill>
-              <a:schemeClr val="tx2">
-                <a:lumMod val="95000"/>
-                <a:lumOff val="5000"/>
-              </a:schemeClr>
-            </a:solidFill>
-          </a:ln>
-        </p:spPr>
-        <p:style>
-          <a:lnRef idx="1">
-            <a:schemeClr val="accent1"/>
-          </a:lnRef>
-          <a:fillRef idx="0">
-            <a:schemeClr val="accent1"/>
-          </a:fillRef>
-          <a:effectRef idx="0">
-            <a:schemeClr val="accent1"/>
-          </a:effectRef>
-          <a:fontRef idx="minor">
-            <a:schemeClr val="tx1"/>
-          </a:fontRef>
-        </p:style>
-      </p:cxnSp>
-      <p:cxnSp>
-        <p:nvCxnSpPr>
-          <p:cNvPr id="21" name="Straight Connector 20"/>
-          <p:cNvCxnSpPr/>
-          <p:nvPr/>
-        </p:nvCxnSpPr>
-        <p:spPr>
-          <a:xfrm flipV="1">
-            <a:off x="7835105" y="5928945"/>
-            <a:ext cx="2049065" cy="1"/>
-          </a:xfrm>
-          <a:prstGeom prst="line">
-            <a:avLst/>
-          </a:prstGeom>
-          <a:ln>
-            <a:solidFill>
-              <a:schemeClr val="accent1"/>
-            </a:solidFill>
-          </a:ln>
-        </p:spPr>
-        <p:style>
-          <a:lnRef idx="1">
-            <a:schemeClr val="accent1"/>
-          </a:lnRef>
-          <a:fillRef idx="0">
-            <a:schemeClr val="accent1"/>
-          </a:fillRef>
-          <a:effectRef idx="0">
-            <a:schemeClr val="accent1"/>
-          </a:effectRef>
-          <a:fontRef idx="minor">
-            <a:schemeClr val="tx1"/>
-          </a:fontRef>
-        </p:style>
-      </p:cxnSp>
-      <p:cxnSp>
-        <p:nvCxnSpPr>
-          <p:cNvPr id="22" name="Straight Connector 21"/>
-          <p:cNvCxnSpPr>
-            <a:endCxn id="13" idx="0"/>
-          </p:cNvCxnSpPr>
-          <p:nvPr/>
-        </p:nvCxnSpPr>
-        <p:spPr>
-          <a:xfrm>
-            <a:off x="9120249" y="2935969"/>
-            <a:ext cx="1764561" cy="0"/>
-          </a:xfrm>
-          <a:prstGeom prst="line">
-            <a:avLst/>
-          </a:prstGeom>
-          <a:ln>
-            <a:solidFill>
-              <a:schemeClr val="tx2">
-                <a:lumMod val="95000"/>
-                <a:lumOff val="5000"/>
-              </a:schemeClr>
-            </a:solidFill>
-          </a:ln>
-        </p:spPr>
-        <p:style>
-          <a:lnRef idx="1">
-            <a:schemeClr val="accent1"/>
-          </a:lnRef>
-          <a:fillRef idx="0">
-            <a:schemeClr val="accent1"/>
-          </a:fillRef>
-          <a:effectRef idx="0">
-            <a:schemeClr val="accent1"/>
-          </a:effectRef>
-          <a:fontRef idx="minor">
-            <a:schemeClr val="tx1"/>
-          </a:fontRef>
-        </p:style>
-      </p:cxnSp>
-      <p:cxnSp>
-        <p:nvCxnSpPr>
-          <p:cNvPr id="29" name="Straight Connector 28"/>
-          <p:cNvCxnSpPr/>
-          <p:nvPr/>
-        </p:nvCxnSpPr>
-        <p:spPr>
-          <a:xfrm>
-            <a:off x="5970499" y="4812572"/>
-            <a:ext cx="1878344" cy="14400"/>
-          </a:xfrm>
-          <a:prstGeom prst="line">
-            <a:avLst/>
-          </a:prstGeom>
-          <a:ln>
-            <a:solidFill>
-              <a:schemeClr val="accent1"/>
-            </a:solidFill>
-          </a:ln>
-        </p:spPr>
-        <p:style>
-          <a:lnRef idx="1">
-            <a:schemeClr val="accent1"/>
-          </a:lnRef>
-          <a:fillRef idx="0">
-            <a:schemeClr val="accent1"/>
-          </a:fillRef>
-          <a:effectRef idx="0">
-            <a:schemeClr val="accent1"/>
-          </a:effectRef>
-          <a:fontRef idx="minor">
-            <a:schemeClr val="tx1"/>
-          </a:fontRef>
-        </p:style>
-      </p:cxnSp>
-      <p:cxnSp>
-        <p:nvCxnSpPr>
-          <p:cNvPr id="31" name="Straight Connector 30"/>
-          <p:cNvCxnSpPr/>
-          <p:nvPr/>
-        </p:nvCxnSpPr>
-        <p:spPr>
-          <a:xfrm flipH="1">
-            <a:off x="7791052" y="3377723"/>
-            <a:ext cx="1858" cy="625777"/>
-          </a:xfrm>
-          <a:prstGeom prst="line">
-            <a:avLst/>
-          </a:prstGeom>
-          <a:ln>
-            <a:solidFill>
-              <a:schemeClr val="tx2">
-                <a:lumMod val="95000"/>
-                <a:lumOff val="5000"/>
-              </a:schemeClr>
-            </a:solidFill>
-          </a:ln>
-        </p:spPr>
-        <p:style>
-          <a:lnRef idx="1">
-            <a:schemeClr val="accent1"/>
-          </a:lnRef>
-          <a:fillRef idx="0">
-            <a:schemeClr val="accent1"/>
-          </a:fillRef>
-          <a:effectRef idx="0">
-            <a:schemeClr val="accent1"/>
-          </a:effectRef>
-          <a:fontRef idx="minor">
-            <a:schemeClr val="tx1"/>
-          </a:fontRef>
-        </p:style>
-      </p:cxnSp>
-      <p:cxnSp>
-        <p:nvCxnSpPr>
-          <p:cNvPr id="33" name="Straight Connector 32"/>
-          <p:cNvCxnSpPr/>
-          <p:nvPr/>
-        </p:nvCxnSpPr>
-        <p:spPr>
-          <a:xfrm>
-            <a:off x="8178138" y="2091431"/>
-            <a:ext cx="839" cy="571596"/>
-          </a:xfrm>
-          <a:prstGeom prst="line">
-            <a:avLst/>
-          </a:prstGeom>
-          <a:ln>
-            <a:solidFill>
-              <a:schemeClr val="tx2">
-                <a:lumMod val="95000"/>
-                <a:lumOff val="5000"/>
-              </a:schemeClr>
-            </a:solidFill>
-          </a:ln>
-        </p:spPr>
-        <p:style>
-          <a:lnRef idx="1">
-            <a:schemeClr val="accent1"/>
-          </a:lnRef>
-          <a:fillRef idx="0">
-            <a:schemeClr val="accent1"/>
-          </a:fillRef>
-          <a:effectRef idx="0">
-            <a:schemeClr val="accent1"/>
-          </a:effectRef>
-          <a:fontRef idx="minor">
-            <a:schemeClr val="tx1"/>
-          </a:fontRef>
-        </p:style>
-      </p:cxnSp>
-      <p:cxnSp>
-        <p:nvCxnSpPr>
-          <p:cNvPr id="34" name="Straight Connector 33"/>
-          <p:cNvCxnSpPr/>
-          <p:nvPr/>
-        </p:nvCxnSpPr>
-        <p:spPr>
-          <a:xfrm>
-            <a:off x="7791052" y="2663027"/>
-            <a:ext cx="387086" cy="0"/>
-          </a:xfrm>
-          <a:prstGeom prst="line">
-            <a:avLst/>
-          </a:prstGeom>
-          <a:ln>
-            <a:solidFill>
-              <a:schemeClr val="tx2">
-                <a:lumMod val="95000"/>
-                <a:lumOff val="5000"/>
-              </a:schemeClr>
-            </a:solidFill>
-          </a:ln>
-        </p:spPr>
-        <p:style>
-          <a:lnRef idx="1">
-            <a:schemeClr val="accent1"/>
-          </a:lnRef>
-          <a:fillRef idx="0">
-            <a:schemeClr val="accent1"/>
-          </a:fillRef>
-          <a:effectRef idx="0">
-            <a:schemeClr val="accent1"/>
-          </a:effectRef>
-          <a:fontRef idx="minor">
-            <a:schemeClr val="tx1"/>
-          </a:fontRef>
-        </p:style>
-      </p:cxnSp>
-      <p:cxnSp>
-        <p:nvCxnSpPr>
-          <p:cNvPr id="36" name="Straight Connector 35"/>
-          <p:cNvCxnSpPr/>
-          <p:nvPr/>
-        </p:nvCxnSpPr>
-        <p:spPr>
-          <a:xfrm>
-            <a:off x="5836399" y="2722554"/>
-            <a:ext cx="839" cy="285798"/>
-          </a:xfrm>
-          <a:prstGeom prst="line">
-            <a:avLst/>
-          </a:prstGeom>
-          <a:ln>
-            <a:solidFill>
-              <a:schemeClr val="tx2">
-                <a:lumMod val="95000"/>
-                <a:lumOff val="5000"/>
-              </a:schemeClr>
-            </a:solidFill>
-          </a:ln>
-        </p:spPr>
-        <p:style>
-          <a:lnRef idx="1">
-            <a:schemeClr val="accent1"/>
-          </a:lnRef>
-          <a:fillRef idx="0">
-            <a:schemeClr val="accent1"/>
-          </a:fillRef>
-          <a:effectRef idx="0">
-            <a:schemeClr val="accent1"/>
-          </a:effectRef>
-          <a:fontRef idx="minor">
-            <a:schemeClr val="tx1"/>
-          </a:fontRef>
-        </p:style>
-      </p:cxnSp>
-      <p:cxnSp>
-        <p:nvCxnSpPr>
-          <p:cNvPr id="38" name="Straight Connector 37"/>
-          <p:cNvCxnSpPr/>
-          <p:nvPr/>
-        </p:nvCxnSpPr>
-        <p:spPr>
-          <a:xfrm>
-            <a:off x="5826855" y="3008352"/>
-            <a:ext cx="387086" cy="0"/>
-          </a:xfrm>
-          <a:prstGeom prst="line">
-            <a:avLst/>
-          </a:prstGeom>
-          <a:ln>
-            <a:solidFill>
-              <a:schemeClr val="tx2">
-                <a:lumMod val="95000"/>
-                <a:lumOff val="5000"/>
-              </a:schemeClr>
-            </a:solidFill>
-          </a:ln>
-        </p:spPr>
-        <p:style>
-          <a:lnRef idx="1">
-            <a:schemeClr val="accent1"/>
-          </a:lnRef>
-          <a:fillRef idx="0">
-            <a:schemeClr val="accent1"/>
-          </a:fillRef>
-          <a:effectRef idx="0">
-            <a:schemeClr val="accent1"/>
-          </a:effectRef>
-          <a:fontRef idx="minor">
-            <a:schemeClr val="tx1"/>
-          </a:fontRef>
-        </p:style>
-      </p:cxnSp>
-      <p:pic>
-        <p:nvPicPr>
-          <p:cNvPr id="3" name="Picture 2"/>
-          <p:cNvPicPr>
-            <a:picLocks noChangeAspect="1"/>
-          </p:cNvPicPr>
-          <p:nvPr/>
-        </p:nvPicPr>
-        <p:blipFill>
-          <a:blip r:embed="rId8"/>
-          <a:stretch>
-            <a:fillRect/>
-          </a:stretch>
-        </p:blipFill>
-        <p:spPr>
-          <a:xfrm>
-            <a:off x="3642342" y="1332346"/>
-            <a:ext cx="2184415" cy="2751686"/>
+            <a:off x="3939144" y="1407467"/>
+            <a:ext cx="7046427" cy="5220604"/>
           </a:xfrm>
           <a:prstGeom prst="rect">
             <a:avLst/>
@@ -16453,7 +15999,11 @@
                                           </p:stCondLst>
                                         </p:cTn>
                                         <p:tgtEl>
-                                          <p:spTgt spid="3"/>
+                                          <p:spTgt spid="4">
+                                            <p:txEl>
+                                              <p:pRg st="2" end="2"/>
+                                            </p:txEl>
+                                          </p:spTgt>
                                         </p:tgtEl>
                                         <p:attrNameLst>
                                           <p:attrName>style.visibility</p:attrName>
@@ -16467,7 +16017,11 @@
                                       <p:cBhvr>
                                         <p:cTn id="7" dur="1000"/>
                                         <p:tgtEl>
-                                          <p:spTgt spid="3"/>
+                                          <p:spTgt spid="4">
+                                            <p:txEl>
+                                              <p:pRg st="2" end="2"/>
+                                            </p:txEl>
+                                          </p:spTgt>
                                         </p:tgtEl>
                                       </p:cBhvr>
                                     </p:animEffect>
@@ -16475,7 +16029,11 @@
                                       <p:cBhvr>
                                         <p:cTn id="8" dur="1000" fill="hold"/>
                                         <p:tgtEl>
-                                          <p:spTgt spid="3"/>
+                                          <p:spTgt spid="4">
+                                            <p:txEl>
+                                              <p:pRg st="2" end="2"/>
+                                            </p:txEl>
+                                          </p:spTgt>
                                         </p:tgtEl>
                                         <p:attrNameLst>
                                           <p:attrName>ppt_x</p:attrName>
@@ -16498,7 +16056,11 @@
                                       <p:cBhvr>
                                         <p:cTn id="9" dur="1000" fill="hold"/>
                                         <p:tgtEl>
-                                          <p:spTgt spid="3"/>
+                                          <p:spTgt spid="4">
+                                            <p:txEl>
+                                              <p:pRg st="2" end="2"/>
+                                            </p:txEl>
+                                          </p:spTgt>
                                         </p:tgtEl>
                                         <p:attrNameLst>
                                           <p:attrName>ppt_y</p:attrName>
@@ -16554,7 +16116,7 @@
                                         <p:tgtEl>
                                           <p:spTgt spid="4">
                                             <p:txEl>
-                                              <p:pRg st="2" end="2"/>
+                                              <p:pRg st="4" end="4"/>
                                             </p:txEl>
                                           </p:spTgt>
                                         </p:tgtEl>
@@ -16572,7 +16134,7 @@
                                         <p:tgtEl>
                                           <p:spTgt spid="4">
                                             <p:txEl>
-                                              <p:pRg st="2" end="2"/>
+                                              <p:pRg st="4" end="4"/>
                                             </p:txEl>
                                           </p:spTgt>
                                         </p:tgtEl>
@@ -16584,7 +16146,7 @@
                                         <p:tgtEl>
                                           <p:spTgt spid="4">
                                             <p:txEl>
-                                              <p:pRg st="2" end="2"/>
+                                              <p:pRg st="4" end="4"/>
                                             </p:txEl>
                                           </p:spTgt>
                                         </p:tgtEl>
@@ -16611,7 +16173,7 @@
                                         <p:tgtEl>
                                           <p:spTgt spid="4">
                                             <p:txEl>
-                                              <p:pRg st="2" end="2"/>
+                                              <p:pRg st="4" end="4"/>
                                             </p:txEl>
                                           </p:spTgt>
                                         </p:tgtEl>
@@ -16669,7 +16231,7 @@
                                         <p:tgtEl>
                                           <p:spTgt spid="4">
                                             <p:txEl>
-                                              <p:pRg st="4" end="4"/>
+                                              <p:pRg st="6" end="6"/>
                                             </p:txEl>
                                           </p:spTgt>
                                         </p:tgtEl>
@@ -16687,7 +16249,7 @@
                                         <p:tgtEl>
                                           <p:spTgt spid="4">
                                             <p:txEl>
-                                              <p:pRg st="4" end="4"/>
+                                              <p:pRg st="6" end="6"/>
                                             </p:txEl>
                                           </p:spTgt>
                                         </p:tgtEl>
@@ -16699,7 +16261,7 @@
                                         <p:tgtEl>
                                           <p:spTgt spid="4">
                                             <p:txEl>
-                                              <p:pRg st="4" end="4"/>
+                                              <p:pRg st="6" end="6"/>
                                             </p:txEl>
                                           </p:spTgt>
                                         </p:tgtEl>
@@ -16726,90 +16288,9 @@
                                         <p:tgtEl>
                                           <p:spTgt spid="4">
                                             <p:txEl>
-                                              <p:pRg st="4" end="4"/>
+                                              <p:pRg st="6" end="6"/>
                                             </p:txEl>
                                           </p:spTgt>
-                                        </p:tgtEl>
-                                        <p:attrNameLst>
-                                          <p:attrName>ppt_y</p:attrName>
-                                        </p:attrNameLst>
-                                      </p:cBhvr>
-                                      <p:tavLst>
-                                        <p:tav tm="0">
-                                          <p:val>
-                                            <p:strVal val="#ppt_y+.1"/>
-                                          </p:val>
-                                        </p:tav>
-                                        <p:tav tm="100000">
-                                          <p:val>
-                                            <p:strVal val="#ppt_y"/>
-                                          </p:val>
-                                        </p:tav>
-                                      </p:tavLst>
-                                    </p:anim>
-                                  </p:childTnLst>
-                                </p:cTn>
-                              </p:par>
-                              <p:par>
-                                <p:cTn id="24" presetID="42" presetClass="entr" presetSubtype="0" fill="hold" nodeType="withEffect">
-                                  <p:stCondLst>
-                                    <p:cond delay="0"/>
-                                  </p:stCondLst>
-                                  <p:childTnLst>
-                                    <p:set>
-                                      <p:cBhvr>
-                                        <p:cTn id="25" dur="1" fill="hold">
-                                          <p:stCondLst>
-                                            <p:cond delay="0"/>
-                                          </p:stCondLst>
-                                        </p:cTn>
-                                        <p:tgtEl>
-                                          <p:spTgt spid="10"/>
-                                        </p:tgtEl>
-                                        <p:attrNameLst>
-                                          <p:attrName>style.visibility</p:attrName>
-                                        </p:attrNameLst>
-                                      </p:cBhvr>
-                                      <p:to>
-                                        <p:strVal val="visible"/>
-                                      </p:to>
-                                    </p:set>
-                                    <p:animEffect transition="in" filter="fade">
-                                      <p:cBhvr>
-                                        <p:cTn id="26" dur="1000"/>
-                                        <p:tgtEl>
-                                          <p:spTgt spid="10"/>
-                                        </p:tgtEl>
-                                      </p:cBhvr>
-                                    </p:animEffect>
-                                    <p:anim calcmode="lin" valueType="num">
-                                      <p:cBhvr>
-                                        <p:cTn id="27" dur="1000" fill="hold"/>
-                                        <p:tgtEl>
-                                          <p:spTgt spid="10"/>
-                                        </p:tgtEl>
-                                        <p:attrNameLst>
-                                          <p:attrName>ppt_x</p:attrName>
-                                        </p:attrNameLst>
-                                      </p:cBhvr>
-                                      <p:tavLst>
-                                        <p:tav tm="0">
-                                          <p:val>
-                                            <p:strVal val="#ppt_x"/>
-                                          </p:val>
-                                        </p:tav>
-                                        <p:tav tm="100000">
-                                          <p:val>
-                                            <p:strVal val="#ppt_x"/>
-                                          </p:val>
-                                        </p:tav>
-                                      </p:tavLst>
-                                    </p:anim>
-                                    <p:anim calcmode="lin" valueType="num">
-                                      <p:cBhvr>
-                                        <p:cTn id="28" dur="1000" fill="hold"/>
-                                        <p:tgtEl>
-                                          <p:spTgt spid="10"/>
                                         </p:tgtEl>
                                         <p:attrNameLst>
                                           <p:attrName>ppt_y</p:attrName>
@@ -16838,26 +16319,26 @@
                     </p:cTn>
                   </p:par>
                   <p:par>
-                    <p:cTn id="29" fill="hold">
+                    <p:cTn id="24" fill="hold">
                       <p:stCondLst>
                         <p:cond delay="indefinite"/>
                       </p:stCondLst>
                       <p:childTnLst>
                         <p:par>
-                          <p:cTn id="30" fill="hold">
+                          <p:cTn id="25" fill="hold">
                             <p:stCondLst>
                               <p:cond delay="0"/>
                             </p:stCondLst>
                             <p:childTnLst>
                               <p:par>
-                                <p:cTn id="31" presetID="42" presetClass="entr" presetSubtype="0" fill="hold" nodeType="clickEffect">
+                                <p:cTn id="26" presetID="42" presetClass="entr" presetSubtype="0" fill="hold" nodeType="clickEffect">
                                   <p:stCondLst>
                                     <p:cond delay="0"/>
                                   </p:stCondLst>
                                   <p:childTnLst>
                                     <p:set>
                                       <p:cBhvr>
-                                        <p:cTn id="32" dur="1" fill="hold">
+                                        <p:cTn id="27" dur="1" fill="hold">
                                           <p:stCondLst>
                                             <p:cond delay="0"/>
                                           </p:stCondLst>
@@ -16865,7 +16346,7 @@
                                         <p:tgtEl>
                                           <p:spTgt spid="4">
                                             <p:txEl>
-                                              <p:pRg st="6" end="6"/>
+                                              <p:pRg st="8" end="8"/>
                                             </p:txEl>
                                           </p:spTgt>
                                         </p:tgtEl>
@@ -16879,11 +16360,11 @@
                                     </p:set>
                                     <p:animEffect transition="in" filter="fade">
                                       <p:cBhvr>
-                                        <p:cTn id="33" dur="1000"/>
+                                        <p:cTn id="28" dur="1000"/>
                                         <p:tgtEl>
                                           <p:spTgt spid="4">
                                             <p:txEl>
-                                              <p:pRg st="6" end="6"/>
+                                              <p:pRg st="8" end="8"/>
                                             </p:txEl>
                                           </p:spTgt>
                                         </p:tgtEl>
@@ -16891,11 +16372,11 @@
                                     </p:animEffect>
                                     <p:anim calcmode="lin" valueType="num">
                                       <p:cBhvr>
-                                        <p:cTn id="34" dur="1000" fill="hold"/>
+                                        <p:cTn id="29" dur="1000" fill="hold"/>
                                         <p:tgtEl>
                                           <p:spTgt spid="4">
                                             <p:txEl>
-                                              <p:pRg st="6" end="6"/>
+                                              <p:pRg st="8" end="8"/>
                                             </p:txEl>
                                           </p:spTgt>
                                         </p:tgtEl>
@@ -16918,94 +16399,13 @@
                                     </p:anim>
                                     <p:anim calcmode="lin" valueType="num">
                                       <p:cBhvr>
-                                        <p:cTn id="35" dur="1000" fill="hold"/>
+                                        <p:cTn id="30" dur="1000" fill="hold"/>
                                         <p:tgtEl>
                                           <p:spTgt spid="4">
                                             <p:txEl>
-                                              <p:pRg st="6" end="6"/>
+                                              <p:pRg st="8" end="8"/>
                                             </p:txEl>
                                           </p:spTgt>
-                                        </p:tgtEl>
-                                        <p:attrNameLst>
-                                          <p:attrName>ppt_y</p:attrName>
-                                        </p:attrNameLst>
-                                      </p:cBhvr>
-                                      <p:tavLst>
-                                        <p:tav tm="0">
-                                          <p:val>
-                                            <p:strVal val="#ppt_y+.1"/>
-                                          </p:val>
-                                        </p:tav>
-                                        <p:tav tm="100000">
-                                          <p:val>
-                                            <p:strVal val="#ppt_y"/>
-                                          </p:val>
-                                        </p:tav>
-                                      </p:tavLst>
-                                    </p:anim>
-                                  </p:childTnLst>
-                                </p:cTn>
-                              </p:par>
-                              <p:par>
-                                <p:cTn id="36" presetID="42" presetClass="entr" presetSubtype="0" fill="hold" nodeType="withEffect">
-                                  <p:stCondLst>
-                                    <p:cond delay="0"/>
-                                  </p:stCondLst>
-                                  <p:childTnLst>
-                                    <p:set>
-                                      <p:cBhvr>
-                                        <p:cTn id="37" dur="1" fill="hold">
-                                          <p:stCondLst>
-                                            <p:cond delay="0"/>
-                                          </p:stCondLst>
-                                        </p:cTn>
-                                        <p:tgtEl>
-                                          <p:spTgt spid="11"/>
-                                        </p:tgtEl>
-                                        <p:attrNameLst>
-                                          <p:attrName>style.visibility</p:attrName>
-                                        </p:attrNameLst>
-                                      </p:cBhvr>
-                                      <p:to>
-                                        <p:strVal val="visible"/>
-                                      </p:to>
-                                    </p:set>
-                                    <p:animEffect transition="in" filter="fade">
-                                      <p:cBhvr>
-                                        <p:cTn id="38" dur="1000"/>
-                                        <p:tgtEl>
-                                          <p:spTgt spid="11"/>
-                                        </p:tgtEl>
-                                      </p:cBhvr>
-                                    </p:animEffect>
-                                    <p:anim calcmode="lin" valueType="num">
-                                      <p:cBhvr>
-                                        <p:cTn id="39" dur="1000" fill="hold"/>
-                                        <p:tgtEl>
-                                          <p:spTgt spid="11"/>
-                                        </p:tgtEl>
-                                        <p:attrNameLst>
-                                          <p:attrName>ppt_x</p:attrName>
-                                        </p:attrNameLst>
-                                      </p:cBhvr>
-                                      <p:tavLst>
-                                        <p:tav tm="0">
-                                          <p:val>
-                                            <p:strVal val="#ppt_x"/>
-                                          </p:val>
-                                        </p:tav>
-                                        <p:tav tm="100000">
-                                          <p:val>
-                                            <p:strVal val="#ppt_x"/>
-                                          </p:val>
-                                        </p:tav>
-                                      </p:tavLst>
-                                    </p:anim>
-                                    <p:anim calcmode="lin" valueType="num">
-                                      <p:cBhvr>
-                                        <p:cTn id="40" dur="1000" fill="hold"/>
-                                        <p:tgtEl>
-                                          <p:spTgt spid="11"/>
                                         </p:tgtEl>
                                         <p:attrNameLst>
                                           <p:attrName>ppt_y</p:attrName>
@@ -17034,26 +16434,26 @@
                     </p:cTn>
                   </p:par>
                   <p:par>
-                    <p:cTn id="41" fill="hold">
+                    <p:cTn id="31" fill="hold">
                       <p:stCondLst>
                         <p:cond delay="indefinite"/>
                       </p:stCondLst>
                       <p:childTnLst>
                         <p:par>
-                          <p:cTn id="42" fill="hold">
+                          <p:cTn id="32" fill="hold">
                             <p:stCondLst>
                               <p:cond delay="0"/>
                             </p:stCondLst>
                             <p:childTnLst>
                               <p:par>
-                                <p:cTn id="43" presetID="42" presetClass="entr" presetSubtype="0" fill="hold" nodeType="clickEffect">
+                                <p:cTn id="33" presetID="42" presetClass="entr" presetSubtype="0" fill="hold" nodeType="clickEffect">
                                   <p:stCondLst>
                                     <p:cond delay="0"/>
                                   </p:stCondLst>
                                   <p:childTnLst>
                                     <p:set>
                                       <p:cBhvr>
-                                        <p:cTn id="44" dur="1" fill="hold">
+                                        <p:cTn id="34" dur="1" fill="hold">
                                           <p:stCondLst>
                                             <p:cond delay="0"/>
                                           </p:stCondLst>
@@ -17061,7 +16461,7 @@
                                         <p:tgtEl>
                                           <p:spTgt spid="4">
                                             <p:txEl>
-                                              <p:pRg st="8" end="8"/>
+                                              <p:pRg st="10" end="10"/>
                                             </p:txEl>
                                           </p:spTgt>
                                         </p:tgtEl>
@@ -17075,11 +16475,11 @@
                                     </p:set>
                                     <p:animEffect transition="in" filter="fade">
                                       <p:cBhvr>
-                                        <p:cTn id="45" dur="1000"/>
+                                        <p:cTn id="35" dur="1000"/>
                                         <p:tgtEl>
                                           <p:spTgt spid="4">
                                             <p:txEl>
-                                              <p:pRg st="8" end="8"/>
+                                              <p:pRg st="10" end="10"/>
                                             </p:txEl>
                                           </p:spTgt>
                                         </p:tgtEl>
@@ -17087,11 +16487,11 @@
                                     </p:animEffect>
                                     <p:anim calcmode="lin" valueType="num">
                                       <p:cBhvr>
-                                        <p:cTn id="46" dur="1000" fill="hold"/>
+                                        <p:cTn id="36" dur="1000" fill="hold"/>
                                         <p:tgtEl>
                                           <p:spTgt spid="4">
                                             <p:txEl>
-                                              <p:pRg st="8" end="8"/>
+                                              <p:pRg st="10" end="10"/>
                                             </p:txEl>
                                           </p:spTgt>
                                         </p:tgtEl>
@@ -17114,94 +16514,13 @@
                                     </p:anim>
                                     <p:anim calcmode="lin" valueType="num">
                                       <p:cBhvr>
-                                        <p:cTn id="47" dur="1000" fill="hold"/>
+                                        <p:cTn id="37" dur="1000" fill="hold"/>
                                         <p:tgtEl>
                                           <p:spTgt spid="4">
                                             <p:txEl>
-                                              <p:pRg st="8" end="8"/>
+                                              <p:pRg st="10" end="10"/>
                                             </p:txEl>
                                           </p:spTgt>
-                                        </p:tgtEl>
-                                        <p:attrNameLst>
-                                          <p:attrName>ppt_y</p:attrName>
-                                        </p:attrNameLst>
-                                      </p:cBhvr>
-                                      <p:tavLst>
-                                        <p:tav tm="0">
-                                          <p:val>
-                                            <p:strVal val="#ppt_y+.1"/>
-                                          </p:val>
-                                        </p:tav>
-                                        <p:tav tm="100000">
-                                          <p:val>
-                                            <p:strVal val="#ppt_y"/>
-                                          </p:val>
-                                        </p:tav>
-                                      </p:tavLst>
-                                    </p:anim>
-                                  </p:childTnLst>
-                                </p:cTn>
-                              </p:par>
-                              <p:par>
-                                <p:cTn id="48" presetID="42" presetClass="entr" presetSubtype="0" fill="hold" nodeType="withEffect">
-                                  <p:stCondLst>
-                                    <p:cond delay="0"/>
-                                  </p:stCondLst>
-                                  <p:childTnLst>
-                                    <p:set>
-                                      <p:cBhvr>
-                                        <p:cTn id="49" dur="1" fill="hold">
-                                          <p:stCondLst>
-                                            <p:cond delay="0"/>
-                                          </p:stCondLst>
-                                        </p:cTn>
-                                        <p:tgtEl>
-                                          <p:spTgt spid="12"/>
-                                        </p:tgtEl>
-                                        <p:attrNameLst>
-                                          <p:attrName>style.visibility</p:attrName>
-                                        </p:attrNameLst>
-                                      </p:cBhvr>
-                                      <p:to>
-                                        <p:strVal val="visible"/>
-                                      </p:to>
-                                    </p:set>
-                                    <p:animEffect transition="in" filter="fade">
-                                      <p:cBhvr>
-                                        <p:cTn id="50" dur="1000"/>
-                                        <p:tgtEl>
-                                          <p:spTgt spid="12"/>
-                                        </p:tgtEl>
-                                      </p:cBhvr>
-                                    </p:animEffect>
-                                    <p:anim calcmode="lin" valueType="num">
-                                      <p:cBhvr>
-                                        <p:cTn id="51" dur="1000" fill="hold"/>
-                                        <p:tgtEl>
-                                          <p:spTgt spid="12"/>
-                                        </p:tgtEl>
-                                        <p:attrNameLst>
-                                          <p:attrName>ppt_x</p:attrName>
-                                        </p:attrNameLst>
-                                      </p:cBhvr>
-                                      <p:tavLst>
-                                        <p:tav tm="0">
-                                          <p:val>
-                                            <p:strVal val="#ppt_x"/>
-                                          </p:val>
-                                        </p:tav>
-                                        <p:tav tm="100000">
-                                          <p:val>
-                                            <p:strVal val="#ppt_x"/>
-                                          </p:val>
-                                        </p:tav>
-                                      </p:tavLst>
-                                    </p:anim>
-                                    <p:anim calcmode="lin" valueType="num">
-                                      <p:cBhvr>
-                                        <p:cTn id="52" dur="1000" fill="hold"/>
-                                        <p:tgtEl>
-                                          <p:spTgt spid="12"/>
                                         </p:tgtEl>
                                         <p:attrNameLst>
                                           <p:attrName>ppt_y</p:attrName>
@@ -17230,26 +16549,26 @@
                     </p:cTn>
                   </p:par>
                   <p:par>
-                    <p:cTn id="53" fill="hold">
+                    <p:cTn id="38" fill="hold">
                       <p:stCondLst>
                         <p:cond delay="indefinite"/>
                       </p:stCondLst>
                       <p:childTnLst>
                         <p:par>
-                          <p:cTn id="54" fill="hold">
+                          <p:cTn id="39" fill="hold">
                             <p:stCondLst>
                               <p:cond delay="0"/>
                             </p:stCondLst>
                             <p:childTnLst>
                               <p:par>
-                                <p:cTn id="55" presetID="42" presetClass="entr" presetSubtype="0" fill="hold" nodeType="clickEffect">
+                                <p:cTn id="40" presetID="42" presetClass="entr" presetSubtype="0" fill="hold" nodeType="clickEffect">
                                   <p:stCondLst>
                                     <p:cond delay="0"/>
                                   </p:stCondLst>
                                   <p:childTnLst>
                                     <p:set>
                                       <p:cBhvr>
-                                        <p:cTn id="56" dur="1" fill="hold">
+                                        <p:cTn id="41" dur="1" fill="hold">
                                           <p:stCondLst>
                                             <p:cond delay="0"/>
                                           </p:stCondLst>
@@ -17257,7 +16576,7 @@
                                         <p:tgtEl>
                                           <p:spTgt spid="4">
                                             <p:txEl>
-                                              <p:pRg st="10" end="10"/>
+                                              <p:pRg st="12" end="12"/>
                                             </p:txEl>
                                           </p:spTgt>
                                         </p:tgtEl>
@@ -17271,11 +16590,11 @@
                                     </p:set>
                                     <p:animEffect transition="in" filter="fade">
                                       <p:cBhvr>
-                                        <p:cTn id="57" dur="1000"/>
+                                        <p:cTn id="42" dur="1000"/>
                                         <p:tgtEl>
                                           <p:spTgt spid="4">
                                             <p:txEl>
-                                              <p:pRg st="10" end="10"/>
+                                              <p:pRg st="12" end="12"/>
                                             </p:txEl>
                                           </p:spTgt>
                                         </p:tgtEl>
@@ -17283,11 +16602,11 @@
                                     </p:animEffect>
                                     <p:anim calcmode="lin" valueType="num">
                                       <p:cBhvr>
-                                        <p:cTn id="58" dur="1000" fill="hold"/>
+                                        <p:cTn id="43" dur="1000" fill="hold"/>
                                         <p:tgtEl>
                                           <p:spTgt spid="4">
                                             <p:txEl>
-                                              <p:pRg st="10" end="10"/>
+                                              <p:pRg st="12" end="12"/>
                                             </p:txEl>
                                           </p:spTgt>
                                         </p:tgtEl>
@@ -17310,94 +16629,13 @@
                                     </p:anim>
                                     <p:anim calcmode="lin" valueType="num">
                                       <p:cBhvr>
-                                        <p:cTn id="59" dur="1000" fill="hold"/>
+                                        <p:cTn id="44" dur="1000" fill="hold"/>
                                         <p:tgtEl>
                                           <p:spTgt spid="4">
                                             <p:txEl>
-                                              <p:pRg st="10" end="10"/>
+                                              <p:pRg st="12" end="12"/>
                                             </p:txEl>
                                           </p:spTgt>
-                                        </p:tgtEl>
-                                        <p:attrNameLst>
-                                          <p:attrName>ppt_y</p:attrName>
-                                        </p:attrNameLst>
-                                      </p:cBhvr>
-                                      <p:tavLst>
-                                        <p:tav tm="0">
-                                          <p:val>
-                                            <p:strVal val="#ppt_y+.1"/>
-                                          </p:val>
-                                        </p:tav>
-                                        <p:tav tm="100000">
-                                          <p:val>
-                                            <p:strVal val="#ppt_y"/>
-                                          </p:val>
-                                        </p:tav>
-                                      </p:tavLst>
-                                    </p:anim>
-                                  </p:childTnLst>
-                                </p:cTn>
-                              </p:par>
-                              <p:par>
-                                <p:cTn id="60" presetID="42" presetClass="entr" presetSubtype="0" fill="hold" nodeType="withEffect">
-                                  <p:stCondLst>
-                                    <p:cond delay="0"/>
-                                  </p:stCondLst>
-                                  <p:childTnLst>
-                                    <p:set>
-                                      <p:cBhvr>
-                                        <p:cTn id="61" dur="1" fill="hold">
-                                          <p:stCondLst>
-                                            <p:cond delay="0"/>
-                                          </p:stCondLst>
-                                        </p:cTn>
-                                        <p:tgtEl>
-                                          <p:spTgt spid="13"/>
-                                        </p:tgtEl>
-                                        <p:attrNameLst>
-                                          <p:attrName>style.visibility</p:attrName>
-                                        </p:attrNameLst>
-                                      </p:cBhvr>
-                                      <p:to>
-                                        <p:strVal val="visible"/>
-                                      </p:to>
-                                    </p:set>
-                                    <p:animEffect transition="in" filter="fade">
-                                      <p:cBhvr>
-                                        <p:cTn id="62" dur="1000"/>
-                                        <p:tgtEl>
-                                          <p:spTgt spid="13"/>
-                                        </p:tgtEl>
-                                      </p:cBhvr>
-                                    </p:animEffect>
-                                    <p:anim calcmode="lin" valueType="num">
-                                      <p:cBhvr>
-                                        <p:cTn id="63" dur="1000" fill="hold"/>
-                                        <p:tgtEl>
-                                          <p:spTgt spid="13"/>
-                                        </p:tgtEl>
-                                        <p:attrNameLst>
-                                          <p:attrName>ppt_x</p:attrName>
-                                        </p:attrNameLst>
-                                      </p:cBhvr>
-                                      <p:tavLst>
-                                        <p:tav tm="0">
-                                          <p:val>
-                                            <p:strVal val="#ppt_x"/>
-                                          </p:val>
-                                        </p:tav>
-                                        <p:tav tm="100000">
-                                          <p:val>
-                                            <p:strVal val="#ppt_x"/>
-                                          </p:val>
-                                        </p:tav>
-                                      </p:tavLst>
-                                    </p:anim>
-                                    <p:anim calcmode="lin" valueType="num">
-                                      <p:cBhvr>
-                                        <p:cTn id="64" dur="1000" fill="hold"/>
-                                        <p:tgtEl>
-                                          <p:spTgt spid="13"/>
                                         </p:tgtEl>
                                         <p:attrNameLst>
                                           <p:attrName>ppt_y</p:attrName>
@@ -17426,222 +16664,26 @@
                     </p:cTn>
                   </p:par>
                   <p:par>
-                    <p:cTn id="65" fill="hold">
+                    <p:cTn id="45" fill="hold">
                       <p:stCondLst>
                         <p:cond delay="indefinite"/>
                       </p:stCondLst>
                       <p:childTnLst>
                         <p:par>
-                          <p:cTn id="66" fill="hold">
+                          <p:cTn id="46" fill="hold">
                             <p:stCondLst>
                               <p:cond delay="0"/>
                             </p:stCondLst>
                             <p:childTnLst>
                               <p:par>
-                                <p:cTn id="67" presetID="42" presetClass="entr" presetSubtype="0" fill="hold" nodeType="clickEffect">
+                                <p:cTn id="47" presetID="42" presetClass="entr" presetSubtype="0" fill="hold" nodeType="clickEffect">
                                   <p:stCondLst>
                                     <p:cond delay="0"/>
                                   </p:stCondLst>
                                   <p:childTnLst>
                                     <p:set>
                                       <p:cBhvr>
-                                        <p:cTn id="68" dur="1" fill="hold">
-                                          <p:stCondLst>
-                                            <p:cond delay="0"/>
-                                          </p:stCondLst>
-                                        </p:cTn>
-                                        <p:tgtEl>
-                                          <p:spTgt spid="4">
-                                            <p:txEl>
-                                              <p:pRg st="12" end="12"/>
-                                            </p:txEl>
-                                          </p:spTgt>
-                                        </p:tgtEl>
-                                        <p:attrNameLst>
-                                          <p:attrName>style.visibility</p:attrName>
-                                        </p:attrNameLst>
-                                      </p:cBhvr>
-                                      <p:to>
-                                        <p:strVal val="visible"/>
-                                      </p:to>
-                                    </p:set>
-                                    <p:animEffect transition="in" filter="fade">
-                                      <p:cBhvr>
-                                        <p:cTn id="69" dur="1000"/>
-                                        <p:tgtEl>
-                                          <p:spTgt spid="4">
-                                            <p:txEl>
-                                              <p:pRg st="12" end="12"/>
-                                            </p:txEl>
-                                          </p:spTgt>
-                                        </p:tgtEl>
-                                      </p:cBhvr>
-                                    </p:animEffect>
-                                    <p:anim calcmode="lin" valueType="num">
-                                      <p:cBhvr>
-                                        <p:cTn id="70" dur="1000" fill="hold"/>
-                                        <p:tgtEl>
-                                          <p:spTgt spid="4">
-                                            <p:txEl>
-                                              <p:pRg st="12" end="12"/>
-                                            </p:txEl>
-                                          </p:spTgt>
-                                        </p:tgtEl>
-                                        <p:attrNameLst>
-                                          <p:attrName>ppt_x</p:attrName>
-                                        </p:attrNameLst>
-                                      </p:cBhvr>
-                                      <p:tavLst>
-                                        <p:tav tm="0">
-                                          <p:val>
-                                            <p:strVal val="#ppt_x"/>
-                                          </p:val>
-                                        </p:tav>
-                                        <p:tav tm="100000">
-                                          <p:val>
-                                            <p:strVal val="#ppt_x"/>
-                                          </p:val>
-                                        </p:tav>
-                                      </p:tavLst>
-                                    </p:anim>
-                                    <p:anim calcmode="lin" valueType="num">
-                                      <p:cBhvr>
-                                        <p:cTn id="71" dur="1000" fill="hold"/>
-                                        <p:tgtEl>
-                                          <p:spTgt spid="4">
-                                            <p:txEl>
-                                              <p:pRg st="12" end="12"/>
-                                            </p:txEl>
-                                          </p:spTgt>
-                                        </p:tgtEl>
-                                        <p:attrNameLst>
-                                          <p:attrName>ppt_y</p:attrName>
-                                        </p:attrNameLst>
-                                      </p:cBhvr>
-                                      <p:tavLst>
-                                        <p:tav tm="0">
-                                          <p:val>
-                                            <p:strVal val="#ppt_y+.1"/>
-                                          </p:val>
-                                        </p:tav>
-                                        <p:tav tm="100000">
-                                          <p:val>
-                                            <p:strVal val="#ppt_y"/>
-                                          </p:val>
-                                        </p:tav>
-                                      </p:tavLst>
-                                    </p:anim>
-                                  </p:childTnLst>
-                                </p:cTn>
-                              </p:par>
-                              <p:par>
-                                <p:cTn id="72" presetID="42" presetClass="entr" presetSubtype="0" fill="hold" nodeType="withEffect">
-                                  <p:stCondLst>
-                                    <p:cond delay="0"/>
-                                  </p:stCondLst>
-                                  <p:childTnLst>
-                                    <p:set>
-                                      <p:cBhvr>
-                                        <p:cTn id="73" dur="1" fill="hold">
-                                          <p:stCondLst>
-                                            <p:cond delay="0"/>
-                                          </p:stCondLst>
-                                        </p:cTn>
-                                        <p:tgtEl>
-                                          <p:spTgt spid="14"/>
-                                        </p:tgtEl>
-                                        <p:attrNameLst>
-                                          <p:attrName>style.visibility</p:attrName>
-                                        </p:attrNameLst>
-                                      </p:cBhvr>
-                                      <p:to>
-                                        <p:strVal val="visible"/>
-                                      </p:to>
-                                    </p:set>
-                                    <p:animEffect transition="in" filter="fade">
-                                      <p:cBhvr>
-                                        <p:cTn id="74" dur="1000"/>
-                                        <p:tgtEl>
-                                          <p:spTgt spid="14"/>
-                                        </p:tgtEl>
-                                      </p:cBhvr>
-                                    </p:animEffect>
-                                    <p:anim calcmode="lin" valueType="num">
-                                      <p:cBhvr>
-                                        <p:cTn id="75" dur="1000" fill="hold"/>
-                                        <p:tgtEl>
-                                          <p:spTgt spid="14"/>
-                                        </p:tgtEl>
-                                        <p:attrNameLst>
-                                          <p:attrName>ppt_x</p:attrName>
-                                        </p:attrNameLst>
-                                      </p:cBhvr>
-                                      <p:tavLst>
-                                        <p:tav tm="0">
-                                          <p:val>
-                                            <p:strVal val="#ppt_x"/>
-                                          </p:val>
-                                        </p:tav>
-                                        <p:tav tm="100000">
-                                          <p:val>
-                                            <p:strVal val="#ppt_x"/>
-                                          </p:val>
-                                        </p:tav>
-                                      </p:tavLst>
-                                    </p:anim>
-                                    <p:anim calcmode="lin" valueType="num">
-                                      <p:cBhvr>
-                                        <p:cTn id="76" dur="1000" fill="hold"/>
-                                        <p:tgtEl>
-                                          <p:spTgt spid="14"/>
-                                        </p:tgtEl>
-                                        <p:attrNameLst>
-                                          <p:attrName>ppt_y</p:attrName>
-                                        </p:attrNameLst>
-                                      </p:cBhvr>
-                                      <p:tavLst>
-                                        <p:tav tm="0">
-                                          <p:val>
-                                            <p:strVal val="#ppt_y+.1"/>
-                                          </p:val>
-                                        </p:tav>
-                                        <p:tav tm="100000">
-                                          <p:val>
-                                            <p:strVal val="#ppt_y"/>
-                                          </p:val>
-                                        </p:tav>
-                                      </p:tavLst>
-                                    </p:anim>
-                                  </p:childTnLst>
-                                </p:cTn>
-                              </p:par>
-                            </p:childTnLst>
-                          </p:cTn>
-                        </p:par>
-                      </p:childTnLst>
-                    </p:cTn>
-                  </p:par>
-                  <p:par>
-                    <p:cTn id="77" fill="hold">
-                      <p:stCondLst>
-                        <p:cond delay="indefinite"/>
-                      </p:stCondLst>
-                      <p:childTnLst>
-                        <p:par>
-                          <p:cTn id="78" fill="hold">
-                            <p:stCondLst>
-                              <p:cond delay="0"/>
-                            </p:stCondLst>
-                            <p:childTnLst>
-                              <p:par>
-                                <p:cTn id="79" presetID="42" presetClass="entr" presetSubtype="0" fill="hold" nodeType="clickEffect">
-                                  <p:stCondLst>
-                                    <p:cond delay="0"/>
-                                  </p:stCondLst>
-                                  <p:childTnLst>
-                                    <p:set>
-                                      <p:cBhvr>
-                                        <p:cTn id="80" dur="1" fill="hold">
+                                        <p:cTn id="48" dur="1" fill="hold">
                                           <p:stCondLst>
                                             <p:cond delay="0"/>
                                           </p:stCondLst>
@@ -17663,7 +16705,7 @@
                                     </p:set>
                                     <p:animEffect transition="in" filter="fade">
                                       <p:cBhvr>
-                                        <p:cTn id="81" dur="1000"/>
+                                        <p:cTn id="49" dur="1000"/>
                                         <p:tgtEl>
                                           <p:spTgt spid="4">
                                             <p:txEl>
@@ -17675,7 +16717,7 @@
                                     </p:animEffect>
                                     <p:anim calcmode="lin" valueType="num">
                                       <p:cBhvr>
-                                        <p:cTn id="82" dur="1000" fill="hold"/>
+                                        <p:cTn id="50" dur="1000" fill="hold"/>
                                         <p:tgtEl>
                                           <p:spTgt spid="4">
                                             <p:txEl>
@@ -17702,994 +16744,13 @@
                                     </p:anim>
                                     <p:anim calcmode="lin" valueType="num">
                                       <p:cBhvr>
-                                        <p:cTn id="83" dur="1000" fill="hold"/>
+                                        <p:cTn id="51" dur="1000" fill="hold"/>
                                         <p:tgtEl>
                                           <p:spTgt spid="4">
                                             <p:txEl>
                                               <p:pRg st="14" end="14"/>
                                             </p:txEl>
                                           </p:spTgt>
-                                        </p:tgtEl>
-                                        <p:attrNameLst>
-                                          <p:attrName>ppt_y</p:attrName>
-                                        </p:attrNameLst>
-                                      </p:cBhvr>
-                                      <p:tavLst>
-                                        <p:tav tm="0">
-                                          <p:val>
-                                            <p:strVal val="#ppt_y+.1"/>
-                                          </p:val>
-                                        </p:tav>
-                                        <p:tav tm="100000">
-                                          <p:val>
-                                            <p:strVal val="#ppt_y"/>
-                                          </p:val>
-                                        </p:tav>
-                                      </p:tavLst>
-                                    </p:anim>
-                                  </p:childTnLst>
-                                </p:cTn>
-                              </p:par>
-                              <p:par>
-                                <p:cTn id="84" presetID="42" presetClass="entr" presetSubtype="0" fill="hold" nodeType="withEffect">
-                                  <p:stCondLst>
-                                    <p:cond delay="0"/>
-                                  </p:stCondLst>
-                                  <p:childTnLst>
-                                    <p:set>
-                                      <p:cBhvr>
-                                        <p:cTn id="85" dur="1" fill="hold">
-                                          <p:stCondLst>
-                                            <p:cond delay="0"/>
-                                          </p:stCondLst>
-                                        </p:cTn>
-                                        <p:tgtEl>
-                                          <p:spTgt spid="15"/>
-                                        </p:tgtEl>
-                                        <p:attrNameLst>
-                                          <p:attrName>style.visibility</p:attrName>
-                                        </p:attrNameLst>
-                                      </p:cBhvr>
-                                      <p:to>
-                                        <p:strVal val="visible"/>
-                                      </p:to>
-                                    </p:set>
-                                    <p:animEffect transition="in" filter="fade">
-                                      <p:cBhvr>
-                                        <p:cTn id="86" dur="1000"/>
-                                        <p:tgtEl>
-                                          <p:spTgt spid="15"/>
-                                        </p:tgtEl>
-                                      </p:cBhvr>
-                                    </p:animEffect>
-                                    <p:anim calcmode="lin" valueType="num">
-                                      <p:cBhvr>
-                                        <p:cTn id="87" dur="1000" fill="hold"/>
-                                        <p:tgtEl>
-                                          <p:spTgt spid="15"/>
-                                        </p:tgtEl>
-                                        <p:attrNameLst>
-                                          <p:attrName>ppt_x</p:attrName>
-                                        </p:attrNameLst>
-                                      </p:cBhvr>
-                                      <p:tavLst>
-                                        <p:tav tm="0">
-                                          <p:val>
-                                            <p:strVal val="#ppt_x"/>
-                                          </p:val>
-                                        </p:tav>
-                                        <p:tav tm="100000">
-                                          <p:val>
-                                            <p:strVal val="#ppt_x"/>
-                                          </p:val>
-                                        </p:tav>
-                                      </p:tavLst>
-                                    </p:anim>
-                                    <p:anim calcmode="lin" valueType="num">
-                                      <p:cBhvr>
-                                        <p:cTn id="88" dur="1000" fill="hold"/>
-                                        <p:tgtEl>
-                                          <p:spTgt spid="15"/>
-                                        </p:tgtEl>
-                                        <p:attrNameLst>
-                                          <p:attrName>ppt_y</p:attrName>
-                                        </p:attrNameLst>
-                                      </p:cBhvr>
-                                      <p:tavLst>
-                                        <p:tav tm="0">
-                                          <p:val>
-                                            <p:strVal val="#ppt_y+.1"/>
-                                          </p:val>
-                                        </p:tav>
-                                        <p:tav tm="100000">
-                                          <p:val>
-                                            <p:strVal val="#ppt_y"/>
-                                          </p:val>
-                                        </p:tav>
-                                      </p:tavLst>
-                                    </p:anim>
-                                  </p:childTnLst>
-                                </p:cTn>
-                              </p:par>
-                            </p:childTnLst>
-                          </p:cTn>
-                        </p:par>
-                        <p:par>
-                          <p:cTn id="89" fill="hold">
-                            <p:stCondLst>
-                              <p:cond delay="1000"/>
-                            </p:stCondLst>
-                            <p:childTnLst>
-                              <p:par>
-                                <p:cTn id="90" presetID="42" presetClass="entr" presetSubtype="0" fill="hold" nodeType="afterEffect">
-                                  <p:stCondLst>
-                                    <p:cond delay="0"/>
-                                  </p:stCondLst>
-                                  <p:childTnLst>
-                                    <p:set>
-                                      <p:cBhvr>
-                                        <p:cTn id="91" dur="1" fill="hold">
-                                          <p:stCondLst>
-                                            <p:cond delay="0"/>
-                                          </p:stCondLst>
-                                        </p:cTn>
-                                        <p:tgtEl>
-                                          <p:spTgt spid="38"/>
-                                        </p:tgtEl>
-                                        <p:attrNameLst>
-                                          <p:attrName>style.visibility</p:attrName>
-                                        </p:attrNameLst>
-                                      </p:cBhvr>
-                                      <p:to>
-                                        <p:strVal val="visible"/>
-                                      </p:to>
-                                    </p:set>
-                                    <p:animEffect transition="in" filter="fade">
-                                      <p:cBhvr>
-                                        <p:cTn id="92" dur="1000"/>
-                                        <p:tgtEl>
-                                          <p:spTgt spid="38"/>
-                                        </p:tgtEl>
-                                      </p:cBhvr>
-                                    </p:animEffect>
-                                    <p:anim calcmode="lin" valueType="num">
-                                      <p:cBhvr>
-                                        <p:cTn id="93" dur="1000" fill="hold"/>
-                                        <p:tgtEl>
-                                          <p:spTgt spid="38"/>
-                                        </p:tgtEl>
-                                        <p:attrNameLst>
-                                          <p:attrName>ppt_x</p:attrName>
-                                        </p:attrNameLst>
-                                      </p:cBhvr>
-                                      <p:tavLst>
-                                        <p:tav tm="0">
-                                          <p:val>
-                                            <p:strVal val="#ppt_x"/>
-                                          </p:val>
-                                        </p:tav>
-                                        <p:tav tm="100000">
-                                          <p:val>
-                                            <p:strVal val="#ppt_x"/>
-                                          </p:val>
-                                        </p:tav>
-                                      </p:tavLst>
-                                    </p:anim>
-                                    <p:anim calcmode="lin" valueType="num">
-                                      <p:cBhvr>
-                                        <p:cTn id="94" dur="1000" fill="hold"/>
-                                        <p:tgtEl>
-                                          <p:spTgt spid="38"/>
-                                        </p:tgtEl>
-                                        <p:attrNameLst>
-                                          <p:attrName>ppt_y</p:attrName>
-                                        </p:attrNameLst>
-                                      </p:cBhvr>
-                                      <p:tavLst>
-                                        <p:tav tm="0">
-                                          <p:val>
-                                            <p:strVal val="#ppt_y+.1"/>
-                                          </p:val>
-                                        </p:tav>
-                                        <p:tav tm="100000">
-                                          <p:val>
-                                            <p:strVal val="#ppt_y"/>
-                                          </p:val>
-                                        </p:tav>
-                                      </p:tavLst>
-                                    </p:anim>
-                                  </p:childTnLst>
-                                </p:cTn>
-                              </p:par>
-                            </p:childTnLst>
-                          </p:cTn>
-                        </p:par>
-                        <p:par>
-                          <p:cTn id="95" fill="hold">
-                            <p:stCondLst>
-                              <p:cond delay="2000"/>
-                            </p:stCondLst>
-                            <p:childTnLst>
-                              <p:par>
-                                <p:cTn id="96" presetID="42" presetClass="entr" presetSubtype="0" fill="hold" nodeType="afterEffect">
-                                  <p:stCondLst>
-                                    <p:cond delay="0"/>
-                                  </p:stCondLst>
-                                  <p:childTnLst>
-                                    <p:set>
-                                      <p:cBhvr>
-                                        <p:cTn id="97" dur="1" fill="hold">
-                                          <p:stCondLst>
-                                            <p:cond delay="0"/>
-                                          </p:stCondLst>
-                                        </p:cTn>
-                                        <p:tgtEl>
-                                          <p:spTgt spid="36"/>
-                                        </p:tgtEl>
-                                        <p:attrNameLst>
-                                          <p:attrName>style.visibility</p:attrName>
-                                        </p:attrNameLst>
-                                      </p:cBhvr>
-                                      <p:to>
-                                        <p:strVal val="visible"/>
-                                      </p:to>
-                                    </p:set>
-                                    <p:animEffect transition="in" filter="fade">
-                                      <p:cBhvr>
-                                        <p:cTn id="98" dur="1000"/>
-                                        <p:tgtEl>
-                                          <p:spTgt spid="36"/>
-                                        </p:tgtEl>
-                                      </p:cBhvr>
-                                    </p:animEffect>
-                                    <p:anim calcmode="lin" valueType="num">
-                                      <p:cBhvr>
-                                        <p:cTn id="99" dur="1000" fill="hold"/>
-                                        <p:tgtEl>
-                                          <p:spTgt spid="36"/>
-                                        </p:tgtEl>
-                                        <p:attrNameLst>
-                                          <p:attrName>ppt_x</p:attrName>
-                                        </p:attrNameLst>
-                                      </p:cBhvr>
-                                      <p:tavLst>
-                                        <p:tav tm="0">
-                                          <p:val>
-                                            <p:strVal val="#ppt_x"/>
-                                          </p:val>
-                                        </p:tav>
-                                        <p:tav tm="100000">
-                                          <p:val>
-                                            <p:strVal val="#ppt_x"/>
-                                          </p:val>
-                                        </p:tav>
-                                      </p:tavLst>
-                                    </p:anim>
-                                    <p:anim calcmode="lin" valueType="num">
-                                      <p:cBhvr>
-                                        <p:cTn id="100" dur="1000" fill="hold"/>
-                                        <p:tgtEl>
-                                          <p:spTgt spid="36"/>
-                                        </p:tgtEl>
-                                        <p:attrNameLst>
-                                          <p:attrName>ppt_y</p:attrName>
-                                        </p:attrNameLst>
-                                      </p:cBhvr>
-                                      <p:tavLst>
-                                        <p:tav tm="0">
-                                          <p:val>
-                                            <p:strVal val="#ppt_y+.1"/>
-                                          </p:val>
-                                        </p:tav>
-                                        <p:tav tm="100000">
-                                          <p:val>
-                                            <p:strVal val="#ppt_y"/>
-                                          </p:val>
-                                        </p:tav>
-                                      </p:tavLst>
-                                    </p:anim>
-                                  </p:childTnLst>
-                                </p:cTn>
-                              </p:par>
-                            </p:childTnLst>
-                          </p:cTn>
-                        </p:par>
-                        <p:par>
-                          <p:cTn id="101" fill="hold">
-                            <p:stCondLst>
-                              <p:cond delay="3000"/>
-                            </p:stCondLst>
-                            <p:childTnLst>
-                              <p:par>
-                                <p:cTn id="102" presetID="42" presetClass="entr" presetSubtype="0" fill="hold" nodeType="afterEffect">
-                                  <p:stCondLst>
-                                    <p:cond delay="0"/>
-                                  </p:stCondLst>
-                                  <p:childTnLst>
-                                    <p:set>
-                                      <p:cBhvr>
-                                        <p:cTn id="103" dur="1" fill="hold">
-                                          <p:stCondLst>
-                                            <p:cond delay="0"/>
-                                          </p:stCondLst>
-                                        </p:cTn>
-                                        <p:tgtEl>
-                                          <p:spTgt spid="34"/>
-                                        </p:tgtEl>
-                                        <p:attrNameLst>
-                                          <p:attrName>style.visibility</p:attrName>
-                                        </p:attrNameLst>
-                                      </p:cBhvr>
-                                      <p:to>
-                                        <p:strVal val="visible"/>
-                                      </p:to>
-                                    </p:set>
-                                    <p:animEffect transition="in" filter="fade">
-                                      <p:cBhvr>
-                                        <p:cTn id="104" dur="1000"/>
-                                        <p:tgtEl>
-                                          <p:spTgt spid="34"/>
-                                        </p:tgtEl>
-                                      </p:cBhvr>
-                                    </p:animEffect>
-                                    <p:anim calcmode="lin" valueType="num">
-                                      <p:cBhvr>
-                                        <p:cTn id="105" dur="1000" fill="hold"/>
-                                        <p:tgtEl>
-                                          <p:spTgt spid="34"/>
-                                        </p:tgtEl>
-                                        <p:attrNameLst>
-                                          <p:attrName>ppt_x</p:attrName>
-                                        </p:attrNameLst>
-                                      </p:cBhvr>
-                                      <p:tavLst>
-                                        <p:tav tm="0">
-                                          <p:val>
-                                            <p:strVal val="#ppt_x"/>
-                                          </p:val>
-                                        </p:tav>
-                                        <p:tav tm="100000">
-                                          <p:val>
-                                            <p:strVal val="#ppt_x"/>
-                                          </p:val>
-                                        </p:tav>
-                                      </p:tavLst>
-                                    </p:anim>
-                                    <p:anim calcmode="lin" valueType="num">
-                                      <p:cBhvr>
-                                        <p:cTn id="106" dur="1000" fill="hold"/>
-                                        <p:tgtEl>
-                                          <p:spTgt spid="34"/>
-                                        </p:tgtEl>
-                                        <p:attrNameLst>
-                                          <p:attrName>ppt_y</p:attrName>
-                                        </p:attrNameLst>
-                                      </p:cBhvr>
-                                      <p:tavLst>
-                                        <p:tav tm="0">
-                                          <p:val>
-                                            <p:strVal val="#ppt_y+.1"/>
-                                          </p:val>
-                                        </p:tav>
-                                        <p:tav tm="100000">
-                                          <p:val>
-                                            <p:strVal val="#ppt_y"/>
-                                          </p:val>
-                                        </p:tav>
-                                      </p:tavLst>
-                                    </p:anim>
-                                  </p:childTnLst>
-                                </p:cTn>
-                              </p:par>
-                            </p:childTnLst>
-                          </p:cTn>
-                        </p:par>
-                        <p:par>
-                          <p:cTn id="107" fill="hold">
-                            <p:stCondLst>
-                              <p:cond delay="4000"/>
-                            </p:stCondLst>
-                            <p:childTnLst>
-                              <p:par>
-                                <p:cTn id="108" presetID="42" presetClass="entr" presetSubtype="0" fill="hold" nodeType="afterEffect">
-                                  <p:stCondLst>
-                                    <p:cond delay="0"/>
-                                  </p:stCondLst>
-                                  <p:childTnLst>
-                                    <p:set>
-                                      <p:cBhvr>
-                                        <p:cTn id="109" dur="1" fill="hold">
-                                          <p:stCondLst>
-                                            <p:cond delay="0"/>
-                                          </p:stCondLst>
-                                        </p:cTn>
-                                        <p:tgtEl>
-                                          <p:spTgt spid="33"/>
-                                        </p:tgtEl>
-                                        <p:attrNameLst>
-                                          <p:attrName>style.visibility</p:attrName>
-                                        </p:attrNameLst>
-                                      </p:cBhvr>
-                                      <p:to>
-                                        <p:strVal val="visible"/>
-                                      </p:to>
-                                    </p:set>
-                                    <p:animEffect transition="in" filter="fade">
-                                      <p:cBhvr>
-                                        <p:cTn id="110" dur="1000"/>
-                                        <p:tgtEl>
-                                          <p:spTgt spid="33"/>
-                                        </p:tgtEl>
-                                      </p:cBhvr>
-                                    </p:animEffect>
-                                    <p:anim calcmode="lin" valueType="num">
-                                      <p:cBhvr>
-                                        <p:cTn id="111" dur="1000" fill="hold"/>
-                                        <p:tgtEl>
-                                          <p:spTgt spid="33"/>
-                                        </p:tgtEl>
-                                        <p:attrNameLst>
-                                          <p:attrName>ppt_x</p:attrName>
-                                        </p:attrNameLst>
-                                      </p:cBhvr>
-                                      <p:tavLst>
-                                        <p:tav tm="0">
-                                          <p:val>
-                                            <p:strVal val="#ppt_x"/>
-                                          </p:val>
-                                        </p:tav>
-                                        <p:tav tm="100000">
-                                          <p:val>
-                                            <p:strVal val="#ppt_x"/>
-                                          </p:val>
-                                        </p:tav>
-                                      </p:tavLst>
-                                    </p:anim>
-                                    <p:anim calcmode="lin" valueType="num">
-                                      <p:cBhvr>
-                                        <p:cTn id="112" dur="1000" fill="hold"/>
-                                        <p:tgtEl>
-                                          <p:spTgt spid="33"/>
-                                        </p:tgtEl>
-                                        <p:attrNameLst>
-                                          <p:attrName>ppt_y</p:attrName>
-                                        </p:attrNameLst>
-                                      </p:cBhvr>
-                                      <p:tavLst>
-                                        <p:tav tm="0">
-                                          <p:val>
-                                            <p:strVal val="#ppt_y+.1"/>
-                                          </p:val>
-                                        </p:tav>
-                                        <p:tav tm="100000">
-                                          <p:val>
-                                            <p:strVal val="#ppt_y"/>
-                                          </p:val>
-                                        </p:tav>
-                                      </p:tavLst>
-                                    </p:anim>
-                                  </p:childTnLst>
-                                </p:cTn>
-                              </p:par>
-                            </p:childTnLst>
-                          </p:cTn>
-                        </p:par>
-                        <p:par>
-                          <p:cTn id="113" fill="hold">
-                            <p:stCondLst>
-                              <p:cond delay="5000"/>
-                            </p:stCondLst>
-                            <p:childTnLst>
-                              <p:par>
-                                <p:cTn id="114" presetID="42" presetClass="entr" presetSubtype="0" fill="hold" nodeType="afterEffect">
-                                  <p:stCondLst>
-                                    <p:cond delay="0"/>
-                                  </p:stCondLst>
-                                  <p:childTnLst>
-                                    <p:set>
-                                      <p:cBhvr>
-                                        <p:cTn id="115" dur="1" fill="hold">
-                                          <p:stCondLst>
-                                            <p:cond delay="0"/>
-                                          </p:stCondLst>
-                                        </p:cTn>
-                                        <p:tgtEl>
-                                          <p:spTgt spid="22"/>
-                                        </p:tgtEl>
-                                        <p:attrNameLst>
-                                          <p:attrName>style.visibility</p:attrName>
-                                        </p:attrNameLst>
-                                      </p:cBhvr>
-                                      <p:to>
-                                        <p:strVal val="visible"/>
-                                      </p:to>
-                                    </p:set>
-                                    <p:animEffect transition="in" filter="fade">
-                                      <p:cBhvr>
-                                        <p:cTn id="116" dur="1000"/>
-                                        <p:tgtEl>
-                                          <p:spTgt spid="22"/>
-                                        </p:tgtEl>
-                                      </p:cBhvr>
-                                    </p:animEffect>
-                                    <p:anim calcmode="lin" valueType="num">
-                                      <p:cBhvr>
-                                        <p:cTn id="117" dur="1000" fill="hold"/>
-                                        <p:tgtEl>
-                                          <p:spTgt spid="22"/>
-                                        </p:tgtEl>
-                                        <p:attrNameLst>
-                                          <p:attrName>ppt_x</p:attrName>
-                                        </p:attrNameLst>
-                                      </p:cBhvr>
-                                      <p:tavLst>
-                                        <p:tav tm="0">
-                                          <p:val>
-                                            <p:strVal val="#ppt_x"/>
-                                          </p:val>
-                                        </p:tav>
-                                        <p:tav tm="100000">
-                                          <p:val>
-                                            <p:strVal val="#ppt_x"/>
-                                          </p:val>
-                                        </p:tav>
-                                      </p:tavLst>
-                                    </p:anim>
-                                    <p:anim calcmode="lin" valueType="num">
-                                      <p:cBhvr>
-                                        <p:cTn id="118" dur="1000" fill="hold"/>
-                                        <p:tgtEl>
-                                          <p:spTgt spid="22"/>
-                                        </p:tgtEl>
-                                        <p:attrNameLst>
-                                          <p:attrName>ppt_y</p:attrName>
-                                        </p:attrNameLst>
-                                      </p:cBhvr>
-                                      <p:tavLst>
-                                        <p:tav tm="0">
-                                          <p:val>
-                                            <p:strVal val="#ppt_y+.1"/>
-                                          </p:val>
-                                        </p:tav>
-                                        <p:tav tm="100000">
-                                          <p:val>
-                                            <p:strVal val="#ppt_y"/>
-                                          </p:val>
-                                        </p:tav>
-                                      </p:tavLst>
-                                    </p:anim>
-                                  </p:childTnLst>
-                                </p:cTn>
-                              </p:par>
-                            </p:childTnLst>
-                          </p:cTn>
-                        </p:par>
-                        <p:par>
-                          <p:cTn id="119" fill="hold">
-                            <p:stCondLst>
-                              <p:cond delay="6000"/>
-                            </p:stCondLst>
-                            <p:childTnLst>
-                              <p:par>
-                                <p:cTn id="120" presetID="42" presetClass="entr" presetSubtype="0" fill="hold" nodeType="afterEffect">
-                                  <p:stCondLst>
-                                    <p:cond delay="0"/>
-                                  </p:stCondLst>
-                                  <p:childTnLst>
-                                    <p:set>
-                                      <p:cBhvr>
-                                        <p:cTn id="121" dur="1" fill="hold">
-                                          <p:stCondLst>
-                                            <p:cond delay="0"/>
-                                          </p:stCondLst>
-                                        </p:cTn>
-                                        <p:tgtEl>
-                                          <p:spTgt spid="21"/>
-                                        </p:tgtEl>
-                                        <p:attrNameLst>
-                                          <p:attrName>style.visibility</p:attrName>
-                                        </p:attrNameLst>
-                                      </p:cBhvr>
-                                      <p:to>
-                                        <p:strVal val="visible"/>
-                                      </p:to>
-                                    </p:set>
-                                    <p:animEffect transition="in" filter="fade">
-                                      <p:cBhvr>
-                                        <p:cTn id="122" dur="1000"/>
-                                        <p:tgtEl>
-                                          <p:spTgt spid="21"/>
-                                        </p:tgtEl>
-                                      </p:cBhvr>
-                                    </p:animEffect>
-                                    <p:anim calcmode="lin" valueType="num">
-                                      <p:cBhvr>
-                                        <p:cTn id="123" dur="1000" fill="hold"/>
-                                        <p:tgtEl>
-                                          <p:spTgt spid="21"/>
-                                        </p:tgtEl>
-                                        <p:attrNameLst>
-                                          <p:attrName>ppt_x</p:attrName>
-                                        </p:attrNameLst>
-                                      </p:cBhvr>
-                                      <p:tavLst>
-                                        <p:tav tm="0">
-                                          <p:val>
-                                            <p:strVal val="#ppt_x"/>
-                                          </p:val>
-                                        </p:tav>
-                                        <p:tav tm="100000">
-                                          <p:val>
-                                            <p:strVal val="#ppt_x"/>
-                                          </p:val>
-                                        </p:tav>
-                                      </p:tavLst>
-                                    </p:anim>
-                                    <p:anim calcmode="lin" valueType="num">
-                                      <p:cBhvr>
-                                        <p:cTn id="124" dur="1000" fill="hold"/>
-                                        <p:tgtEl>
-                                          <p:spTgt spid="21"/>
-                                        </p:tgtEl>
-                                        <p:attrNameLst>
-                                          <p:attrName>ppt_y</p:attrName>
-                                        </p:attrNameLst>
-                                      </p:cBhvr>
-                                      <p:tavLst>
-                                        <p:tav tm="0">
-                                          <p:val>
-                                            <p:strVal val="#ppt_y+.1"/>
-                                          </p:val>
-                                        </p:tav>
-                                        <p:tav tm="100000">
-                                          <p:val>
-                                            <p:strVal val="#ppt_y"/>
-                                          </p:val>
-                                        </p:tav>
-                                      </p:tavLst>
-                                    </p:anim>
-                                  </p:childTnLst>
-                                </p:cTn>
-                              </p:par>
-                            </p:childTnLst>
-                          </p:cTn>
-                        </p:par>
-                        <p:par>
-                          <p:cTn id="125" fill="hold">
-                            <p:stCondLst>
-                              <p:cond delay="7000"/>
-                            </p:stCondLst>
-                            <p:childTnLst>
-                              <p:par>
-                                <p:cTn id="126" presetID="42" presetClass="entr" presetSubtype="0" fill="hold" nodeType="afterEffect">
-                                  <p:stCondLst>
-                                    <p:cond delay="0"/>
-                                  </p:stCondLst>
-                                  <p:childTnLst>
-                                    <p:set>
-                                      <p:cBhvr>
-                                        <p:cTn id="127" dur="1" fill="hold">
-                                          <p:stCondLst>
-                                            <p:cond delay="0"/>
-                                          </p:stCondLst>
-                                        </p:cTn>
-                                        <p:tgtEl>
-                                          <p:spTgt spid="29"/>
-                                        </p:tgtEl>
-                                        <p:attrNameLst>
-                                          <p:attrName>style.visibility</p:attrName>
-                                        </p:attrNameLst>
-                                      </p:cBhvr>
-                                      <p:to>
-                                        <p:strVal val="visible"/>
-                                      </p:to>
-                                    </p:set>
-                                    <p:animEffect transition="in" filter="fade">
-                                      <p:cBhvr>
-                                        <p:cTn id="128" dur="1000"/>
-                                        <p:tgtEl>
-                                          <p:spTgt spid="29"/>
-                                        </p:tgtEl>
-                                      </p:cBhvr>
-                                    </p:animEffect>
-                                    <p:anim calcmode="lin" valueType="num">
-                                      <p:cBhvr>
-                                        <p:cTn id="129" dur="1000" fill="hold"/>
-                                        <p:tgtEl>
-                                          <p:spTgt spid="29"/>
-                                        </p:tgtEl>
-                                        <p:attrNameLst>
-                                          <p:attrName>ppt_x</p:attrName>
-                                        </p:attrNameLst>
-                                      </p:cBhvr>
-                                      <p:tavLst>
-                                        <p:tav tm="0">
-                                          <p:val>
-                                            <p:strVal val="#ppt_x"/>
-                                          </p:val>
-                                        </p:tav>
-                                        <p:tav tm="100000">
-                                          <p:val>
-                                            <p:strVal val="#ppt_x"/>
-                                          </p:val>
-                                        </p:tav>
-                                      </p:tavLst>
-                                    </p:anim>
-                                    <p:anim calcmode="lin" valueType="num">
-                                      <p:cBhvr>
-                                        <p:cTn id="130" dur="1000" fill="hold"/>
-                                        <p:tgtEl>
-                                          <p:spTgt spid="29"/>
-                                        </p:tgtEl>
-                                        <p:attrNameLst>
-                                          <p:attrName>ppt_y</p:attrName>
-                                        </p:attrNameLst>
-                                      </p:cBhvr>
-                                      <p:tavLst>
-                                        <p:tav tm="0">
-                                          <p:val>
-                                            <p:strVal val="#ppt_y+.1"/>
-                                          </p:val>
-                                        </p:tav>
-                                        <p:tav tm="100000">
-                                          <p:val>
-                                            <p:strVal val="#ppt_y"/>
-                                          </p:val>
-                                        </p:tav>
-                                      </p:tavLst>
-                                    </p:anim>
-                                  </p:childTnLst>
-                                </p:cTn>
-                              </p:par>
-                            </p:childTnLst>
-                          </p:cTn>
-                        </p:par>
-                        <p:par>
-                          <p:cTn id="131" fill="hold">
-                            <p:stCondLst>
-                              <p:cond delay="8000"/>
-                            </p:stCondLst>
-                            <p:childTnLst>
-                              <p:par>
-                                <p:cTn id="132" presetID="42" presetClass="entr" presetSubtype="0" fill="hold" nodeType="afterEffect">
-                                  <p:stCondLst>
-                                    <p:cond delay="0"/>
-                                  </p:stCondLst>
-                                  <p:childTnLst>
-                                    <p:set>
-                                      <p:cBhvr>
-                                        <p:cTn id="133" dur="1" fill="hold">
-                                          <p:stCondLst>
-                                            <p:cond delay="0"/>
-                                          </p:stCondLst>
-                                        </p:cTn>
-                                        <p:tgtEl>
-                                          <p:spTgt spid="31"/>
-                                        </p:tgtEl>
-                                        <p:attrNameLst>
-                                          <p:attrName>style.visibility</p:attrName>
-                                        </p:attrNameLst>
-                                      </p:cBhvr>
-                                      <p:to>
-                                        <p:strVal val="visible"/>
-                                      </p:to>
-                                    </p:set>
-                                    <p:animEffect transition="in" filter="fade">
-                                      <p:cBhvr>
-                                        <p:cTn id="134" dur="1000"/>
-                                        <p:tgtEl>
-                                          <p:spTgt spid="31"/>
-                                        </p:tgtEl>
-                                      </p:cBhvr>
-                                    </p:animEffect>
-                                    <p:anim calcmode="lin" valueType="num">
-                                      <p:cBhvr>
-                                        <p:cTn id="135" dur="1000" fill="hold"/>
-                                        <p:tgtEl>
-                                          <p:spTgt spid="31"/>
-                                        </p:tgtEl>
-                                        <p:attrNameLst>
-                                          <p:attrName>ppt_x</p:attrName>
-                                        </p:attrNameLst>
-                                      </p:cBhvr>
-                                      <p:tavLst>
-                                        <p:tav tm="0">
-                                          <p:val>
-                                            <p:strVal val="#ppt_x"/>
-                                          </p:val>
-                                        </p:tav>
-                                        <p:tav tm="100000">
-                                          <p:val>
-                                            <p:strVal val="#ppt_x"/>
-                                          </p:val>
-                                        </p:tav>
-                                      </p:tavLst>
-                                    </p:anim>
-                                    <p:anim calcmode="lin" valueType="num">
-                                      <p:cBhvr>
-                                        <p:cTn id="136" dur="1000" fill="hold"/>
-                                        <p:tgtEl>
-                                          <p:spTgt spid="31"/>
-                                        </p:tgtEl>
-                                        <p:attrNameLst>
-                                          <p:attrName>ppt_y</p:attrName>
-                                        </p:attrNameLst>
-                                      </p:cBhvr>
-                                      <p:tavLst>
-                                        <p:tav tm="0">
-                                          <p:val>
-                                            <p:strVal val="#ppt_y+.1"/>
-                                          </p:val>
-                                        </p:tav>
-                                        <p:tav tm="100000">
-                                          <p:val>
-                                            <p:strVal val="#ppt_y"/>
-                                          </p:val>
-                                        </p:tav>
-                                      </p:tavLst>
-                                    </p:anim>
-                                  </p:childTnLst>
-                                </p:cTn>
-                              </p:par>
-                            </p:childTnLst>
-                          </p:cTn>
-                        </p:par>
-                        <p:par>
-                          <p:cTn id="137" fill="hold">
-                            <p:stCondLst>
-                              <p:cond delay="9000"/>
-                            </p:stCondLst>
-                            <p:childTnLst>
-                              <p:par>
-                                <p:cTn id="138" presetID="42" presetClass="entr" presetSubtype="0" fill="hold" nodeType="afterEffect">
-                                  <p:stCondLst>
-                                    <p:cond delay="0"/>
-                                  </p:stCondLst>
-                                  <p:childTnLst>
-                                    <p:set>
-                                      <p:cBhvr>
-                                        <p:cTn id="139" dur="1" fill="hold">
-                                          <p:stCondLst>
-                                            <p:cond delay="0"/>
-                                          </p:stCondLst>
-                                        </p:cTn>
-                                        <p:tgtEl>
-                                          <p:spTgt spid="18"/>
-                                        </p:tgtEl>
-                                        <p:attrNameLst>
-                                          <p:attrName>style.visibility</p:attrName>
-                                        </p:attrNameLst>
-                                      </p:cBhvr>
-                                      <p:to>
-                                        <p:strVal val="visible"/>
-                                      </p:to>
-                                    </p:set>
-                                    <p:animEffect transition="in" filter="fade">
-                                      <p:cBhvr>
-                                        <p:cTn id="140" dur="1000"/>
-                                        <p:tgtEl>
-                                          <p:spTgt spid="18"/>
-                                        </p:tgtEl>
-                                      </p:cBhvr>
-                                    </p:animEffect>
-                                    <p:anim calcmode="lin" valueType="num">
-                                      <p:cBhvr>
-                                        <p:cTn id="141" dur="1000" fill="hold"/>
-                                        <p:tgtEl>
-                                          <p:spTgt spid="18"/>
-                                        </p:tgtEl>
-                                        <p:attrNameLst>
-                                          <p:attrName>ppt_x</p:attrName>
-                                        </p:attrNameLst>
-                                      </p:cBhvr>
-                                      <p:tavLst>
-                                        <p:tav tm="0">
-                                          <p:val>
-                                            <p:strVal val="#ppt_x"/>
-                                          </p:val>
-                                        </p:tav>
-                                        <p:tav tm="100000">
-                                          <p:val>
-                                            <p:strVal val="#ppt_x"/>
-                                          </p:val>
-                                        </p:tav>
-                                      </p:tavLst>
-                                    </p:anim>
-                                    <p:anim calcmode="lin" valueType="num">
-                                      <p:cBhvr>
-                                        <p:cTn id="142" dur="1000" fill="hold"/>
-                                        <p:tgtEl>
-                                          <p:spTgt spid="18"/>
-                                        </p:tgtEl>
-                                        <p:attrNameLst>
-                                          <p:attrName>ppt_y</p:attrName>
-                                        </p:attrNameLst>
-                                      </p:cBhvr>
-                                      <p:tavLst>
-                                        <p:tav tm="0">
-                                          <p:val>
-                                            <p:strVal val="#ppt_y+.1"/>
-                                          </p:val>
-                                        </p:tav>
-                                        <p:tav tm="100000">
-                                          <p:val>
-                                            <p:strVal val="#ppt_y"/>
-                                          </p:val>
-                                        </p:tav>
-                                      </p:tavLst>
-                                    </p:anim>
-                                  </p:childTnLst>
-                                </p:cTn>
-                              </p:par>
-                            </p:childTnLst>
-                          </p:cTn>
-                        </p:par>
-                        <p:par>
-                          <p:cTn id="143" fill="hold">
-                            <p:stCondLst>
-                              <p:cond delay="10000"/>
-                            </p:stCondLst>
-                            <p:childTnLst>
-                              <p:par>
-                                <p:cTn id="144" presetID="42" presetClass="entr" presetSubtype="0" fill="hold" nodeType="afterEffect">
-                                  <p:stCondLst>
-                                    <p:cond delay="0"/>
-                                  </p:stCondLst>
-                                  <p:childTnLst>
-                                    <p:set>
-                                      <p:cBhvr>
-                                        <p:cTn id="145" dur="1" fill="hold">
-                                          <p:stCondLst>
-                                            <p:cond delay="0"/>
-                                          </p:stCondLst>
-                                        </p:cTn>
-                                        <p:tgtEl>
-                                          <p:spTgt spid="17"/>
-                                        </p:tgtEl>
-                                        <p:attrNameLst>
-                                          <p:attrName>style.visibility</p:attrName>
-                                        </p:attrNameLst>
-                                      </p:cBhvr>
-                                      <p:to>
-                                        <p:strVal val="visible"/>
-                                      </p:to>
-                                    </p:set>
-                                    <p:animEffect transition="in" filter="fade">
-                                      <p:cBhvr>
-                                        <p:cTn id="146" dur="1000"/>
-                                        <p:tgtEl>
-                                          <p:spTgt spid="17"/>
-                                        </p:tgtEl>
-                                      </p:cBhvr>
-                                    </p:animEffect>
-                                    <p:anim calcmode="lin" valueType="num">
-                                      <p:cBhvr>
-                                        <p:cTn id="147" dur="1000" fill="hold"/>
-                                        <p:tgtEl>
-                                          <p:spTgt spid="17"/>
-                                        </p:tgtEl>
-                                        <p:attrNameLst>
-                                          <p:attrName>ppt_x</p:attrName>
-                                        </p:attrNameLst>
-                                      </p:cBhvr>
-                                      <p:tavLst>
-                                        <p:tav tm="0">
-                                          <p:val>
-                                            <p:strVal val="#ppt_x"/>
-                                          </p:val>
-                                        </p:tav>
-                                        <p:tav tm="100000">
-                                          <p:val>
-                                            <p:strVal val="#ppt_x"/>
-                                          </p:val>
-                                        </p:tav>
-                                      </p:tavLst>
-                                    </p:anim>
-                                    <p:anim calcmode="lin" valueType="num">
-                                      <p:cBhvr>
-                                        <p:cTn id="148" dur="1000" fill="hold"/>
-                                        <p:tgtEl>
-                                          <p:spTgt spid="17"/>
                                         </p:tgtEl>
                                         <p:attrNameLst>
                                           <p:attrName>ppt_y</p:attrName>
@@ -21557,132 +19618,6 @@
 </file>
 
 <file path=customXml/item2.xml><?xml version="1.0" encoding="utf-8"?>
-<p:properties xmlns:p="http://schemas.microsoft.com/office/2006/metadata/properties" xmlns:xsi="http://www.w3.org/2001/XMLSchema-instance" xmlns:pc="http://schemas.microsoft.com/office/infopath/2007/PartnerControls">
-  <documentManagement>
-    <APDescription xmlns="4873beb7-5857-4685-be1f-d57550cc96cc" xsi:nil="true"/>
-    <AssetExpire xmlns="4873beb7-5857-4685-be1f-d57550cc96cc">2029-01-01T08:00:00+00:00</AssetExpire>
-    <CampaignTagsTaxHTField0 xmlns="4873beb7-5857-4685-be1f-d57550cc96cc">
-      <Terms xmlns="http://schemas.microsoft.com/office/infopath/2007/PartnerControls"/>
-    </CampaignTagsTaxHTField0>
-    <IntlLangReviewDate xmlns="4873beb7-5857-4685-be1f-d57550cc96cc" xsi:nil="true"/>
-    <TPFriendlyName xmlns="4873beb7-5857-4685-be1f-d57550cc96cc" xsi:nil="true"/>
-    <IntlLangReview xmlns="4873beb7-5857-4685-be1f-d57550cc96cc">false</IntlLangReview>
-    <LocLastLocAttemptVersionLookup xmlns="4873beb7-5857-4685-be1f-d57550cc96cc">855024</LocLastLocAttemptVersionLookup>
-    <PolicheckWords xmlns="4873beb7-5857-4685-be1f-d57550cc96cc" xsi:nil="true"/>
-    <SubmitterId xmlns="4873beb7-5857-4685-be1f-d57550cc96cc" xsi:nil="true"/>
-    <AcquiredFrom xmlns="4873beb7-5857-4685-be1f-d57550cc96cc">Internal MS</AcquiredFrom>
-    <EditorialStatus xmlns="4873beb7-5857-4685-be1f-d57550cc96cc">Complete</EditorialStatus>
-    <Markets xmlns="4873beb7-5857-4685-be1f-d57550cc96cc"/>
-    <OriginAsset xmlns="4873beb7-5857-4685-be1f-d57550cc96cc" xsi:nil="true"/>
-    <AssetStart xmlns="4873beb7-5857-4685-be1f-d57550cc96cc">2012-08-31T08:50:00+00:00</AssetStart>
-    <FriendlyTitle xmlns="4873beb7-5857-4685-be1f-d57550cc96cc" xsi:nil="true"/>
-    <MarketSpecific xmlns="4873beb7-5857-4685-be1f-d57550cc96cc">false</MarketSpecific>
-    <TPNamespace xmlns="4873beb7-5857-4685-be1f-d57550cc96cc" xsi:nil="true"/>
-    <PublishStatusLookup xmlns="4873beb7-5857-4685-be1f-d57550cc96cc">
-      <Value>1616423</Value>
-    </PublishStatusLookup>
-    <APAuthor xmlns="4873beb7-5857-4685-be1f-d57550cc96cc">
-      <UserInfo>
-        <DisplayName>REDMOND\kristaa</DisplayName>
-        <AccountId>136</AccountId>
-        <AccountType/>
-      </UserInfo>
-    </APAuthor>
-    <TPCommandLine xmlns="4873beb7-5857-4685-be1f-d57550cc96cc" xsi:nil="true"/>
-    <IntlLangReviewer xmlns="4873beb7-5857-4685-be1f-d57550cc96cc" xsi:nil="true"/>
-    <OpenTemplate xmlns="4873beb7-5857-4685-be1f-d57550cc96cc">true</OpenTemplate>
-    <CSXSubmissionDate xmlns="4873beb7-5857-4685-be1f-d57550cc96cc" xsi:nil="true"/>
-    <TaxCatchAll xmlns="4873beb7-5857-4685-be1f-d57550cc96cc"/>
-    <Manager xmlns="4873beb7-5857-4685-be1f-d57550cc96cc" xsi:nil="true"/>
-    <NumericId xmlns="4873beb7-5857-4685-be1f-d57550cc96cc" xsi:nil="true"/>
-    <ParentAssetId xmlns="4873beb7-5857-4685-be1f-d57550cc96cc" xsi:nil="true"/>
-    <OriginalSourceMarket xmlns="4873beb7-5857-4685-be1f-d57550cc96cc" xsi:nil="true"/>
-    <ApprovalStatus xmlns="4873beb7-5857-4685-be1f-d57550cc96cc">InProgress</ApprovalStatus>
-    <TPComponent xmlns="4873beb7-5857-4685-be1f-d57550cc96cc" xsi:nil="true"/>
-    <EditorialTags xmlns="4873beb7-5857-4685-be1f-d57550cc96cc" xsi:nil="true"/>
-    <TPExecutable xmlns="4873beb7-5857-4685-be1f-d57550cc96cc" xsi:nil="true"/>
-    <TPLaunchHelpLink xmlns="4873beb7-5857-4685-be1f-d57550cc96cc" xsi:nil="true"/>
-    <LocComments xmlns="4873beb7-5857-4685-be1f-d57550cc96cc" xsi:nil="true"/>
-    <LocRecommendedHandoff xmlns="4873beb7-5857-4685-be1f-d57550cc96cc" xsi:nil="true"/>
-    <SourceTitle xmlns="4873beb7-5857-4685-be1f-d57550cc96cc" xsi:nil="true"/>
-    <CSXUpdate xmlns="4873beb7-5857-4685-be1f-d57550cc96cc">false</CSXUpdate>
-    <IntlLocPriority xmlns="4873beb7-5857-4685-be1f-d57550cc96cc" xsi:nil="true"/>
-    <UAProjectedTotalWords xmlns="4873beb7-5857-4685-be1f-d57550cc96cc" xsi:nil="true"/>
-    <AssetType xmlns="4873beb7-5857-4685-be1f-d57550cc96cc">TP</AssetType>
-    <MachineTranslated xmlns="4873beb7-5857-4685-be1f-d57550cc96cc">false</MachineTranslated>
-    <OutputCachingOn xmlns="4873beb7-5857-4685-be1f-d57550cc96cc">false</OutputCachingOn>
-    <TemplateStatus xmlns="4873beb7-5857-4685-be1f-d57550cc96cc">Complete</TemplateStatus>
-    <IsSearchable xmlns="4873beb7-5857-4685-be1f-d57550cc96cc">true</IsSearchable>
-    <ContentItem xmlns="4873beb7-5857-4685-be1f-d57550cc96cc" xsi:nil="true"/>
-    <HandoffToMSDN xmlns="4873beb7-5857-4685-be1f-d57550cc96cc" xsi:nil="true"/>
-    <ShowIn xmlns="4873beb7-5857-4685-be1f-d57550cc96cc">Show everywhere</ShowIn>
-    <ThumbnailAssetId xmlns="4873beb7-5857-4685-be1f-d57550cc96cc" xsi:nil="true"/>
-    <UALocComments xmlns="4873beb7-5857-4685-be1f-d57550cc96cc" xsi:nil="true"/>
-    <UALocRecommendation xmlns="4873beb7-5857-4685-be1f-d57550cc96cc">Localize</UALocRecommendation>
-    <LastModifiedDateTime xmlns="4873beb7-5857-4685-be1f-d57550cc96cc" xsi:nil="true"/>
-    <LegacyData xmlns="4873beb7-5857-4685-be1f-d57550cc96cc" xsi:nil="true"/>
-    <LocManualTestRequired xmlns="4873beb7-5857-4685-be1f-d57550cc96cc">false</LocManualTestRequired>
-    <LocMarketGroupTiers2 xmlns="4873beb7-5857-4685-be1f-d57550cc96cc" xsi:nil="true"/>
-    <ClipArtFilename xmlns="4873beb7-5857-4685-be1f-d57550cc96cc" xsi:nil="true"/>
-    <TPApplication xmlns="4873beb7-5857-4685-be1f-d57550cc96cc" xsi:nil="true"/>
-    <CSXHash xmlns="4873beb7-5857-4685-be1f-d57550cc96cc" xsi:nil="true"/>
-    <DirectSourceMarket xmlns="4873beb7-5857-4685-be1f-d57550cc96cc" xsi:nil="true"/>
-    <PrimaryImageGen xmlns="4873beb7-5857-4685-be1f-d57550cc96cc">true</PrimaryImageGen>
-    <PlannedPubDate xmlns="4873beb7-5857-4685-be1f-d57550cc96cc" xsi:nil="true"/>
-    <CSXSubmissionMarket xmlns="4873beb7-5857-4685-be1f-d57550cc96cc" xsi:nil="true"/>
-    <Downloads xmlns="4873beb7-5857-4685-be1f-d57550cc96cc">0</Downloads>
-    <ArtSampleDocs xmlns="4873beb7-5857-4685-be1f-d57550cc96cc" xsi:nil="true"/>
-    <TrustLevel xmlns="4873beb7-5857-4685-be1f-d57550cc96cc">1 Microsoft Managed Content</TrustLevel>
-    <BlockPublish xmlns="4873beb7-5857-4685-be1f-d57550cc96cc">false</BlockPublish>
-    <TPLaunchHelpLinkType xmlns="4873beb7-5857-4685-be1f-d57550cc96cc">Template</TPLaunchHelpLinkType>
-    <LocalizationTagsTaxHTField0 xmlns="4873beb7-5857-4685-be1f-d57550cc96cc">
-      <Terms xmlns="http://schemas.microsoft.com/office/infopath/2007/PartnerControls"/>
-    </LocalizationTagsTaxHTField0>
-    <BusinessGroup xmlns="4873beb7-5857-4685-be1f-d57550cc96cc" xsi:nil="true"/>
-    <Providers xmlns="4873beb7-5857-4685-be1f-d57550cc96cc" xsi:nil="true"/>
-    <TemplateTemplateType xmlns="4873beb7-5857-4685-be1f-d57550cc96cc">PowerPoint Presentation Template</TemplateTemplateType>
-    <TimesCloned xmlns="4873beb7-5857-4685-be1f-d57550cc96cc" xsi:nil="true"/>
-    <TPAppVersion xmlns="4873beb7-5857-4685-be1f-d57550cc96cc" xsi:nil="true"/>
-    <VoteCount xmlns="4873beb7-5857-4685-be1f-d57550cc96cc" xsi:nil="true"/>
-    <AverageRating xmlns="4873beb7-5857-4685-be1f-d57550cc96cc" xsi:nil="true"/>
-    <FeatureTagsTaxHTField0 xmlns="4873beb7-5857-4685-be1f-d57550cc96cc">
-      <Terms xmlns="http://schemas.microsoft.com/office/infopath/2007/PartnerControls"/>
-    </FeatureTagsTaxHTField0>
-    <Provider xmlns="4873beb7-5857-4685-be1f-d57550cc96cc" xsi:nil="true"/>
-    <UACurrentWords xmlns="4873beb7-5857-4685-be1f-d57550cc96cc" xsi:nil="true"/>
-    <AssetId xmlns="4873beb7-5857-4685-be1f-d57550cc96cc">TP103431361</AssetId>
-    <TPClientViewer xmlns="4873beb7-5857-4685-be1f-d57550cc96cc" xsi:nil="true"/>
-    <DSATActionTaken xmlns="4873beb7-5857-4685-be1f-d57550cc96cc" xsi:nil="true"/>
-    <APEditor xmlns="4873beb7-5857-4685-be1f-d57550cc96cc">
-      <UserInfo>
-        <DisplayName/>
-        <AccountId xsi:nil="true"/>
-        <AccountType/>
-      </UserInfo>
-    </APEditor>
-    <TPInstallLocation xmlns="4873beb7-5857-4685-be1f-d57550cc96cc" xsi:nil="true"/>
-    <OOCacheId xmlns="4873beb7-5857-4685-be1f-d57550cc96cc" xsi:nil="true"/>
-    <IsDeleted xmlns="4873beb7-5857-4685-be1f-d57550cc96cc">false</IsDeleted>
-    <PublishTargets xmlns="4873beb7-5857-4685-be1f-d57550cc96cc">OfficeOnlineVNext</PublishTargets>
-    <ApprovalLog xmlns="4873beb7-5857-4685-be1f-d57550cc96cc" xsi:nil="true"/>
-    <BugNumber xmlns="4873beb7-5857-4685-be1f-d57550cc96cc" xsi:nil="true"/>
-    <CrawlForDependencies xmlns="4873beb7-5857-4685-be1f-d57550cc96cc">false</CrawlForDependencies>
-    <InternalTagsTaxHTField0 xmlns="4873beb7-5857-4685-be1f-d57550cc96cc">
-      <Terms xmlns="http://schemas.microsoft.com/office/infopath/2007/PartnerControls"/>
-    </InternalTagsTaxHTField0>
-    <LastHandOff xmlns="4873beb7-5857-4685-be1f-d57550cc96cc" xsi:nil="true"/>
-    <Milestone xmlns="4873beb7-5857-4685-be1f-d57550cc96cc" xsi:nil="true"/>
-    <OriginalRelease xmlns="4873beb7-5857-4685-be1f-d57550cc96cc">15</OriginalRelease>
-    <RecommendationsModifier xmlns="4873beb7-5857-4685-be1f-d57550cc96cc" xsi:nil="true"/>
-    <ScenarioTagsTaxHTField0 xmlns="4873beb7-5857-4685-be1f-d57550cc96cc">
-      <Terms xmlns="http://schemas.microsoft.com/office/infopath/2007/PartnerControls"/>
-    </ScenarioTagsTaxHTField0>
-    <UANotes xmlns="4873beb7-5857-4685-be1f-d57550cc96cc" xsi:nil="true"/>
-  </documentManagement>
-</p:properties>
-</file>
-
-<file path=customXml/item3.xml><?xml version="1.0" encoding="utf-8"?>
 <ct:contentTypeSchema xmlns:ct="http://schemas.microsoft.com/office/2006/metadata/contentType" xmlns:ma="http://schemas.microsoft.com/office/2006/metadata/properties/metaAttributes" ct:_="" ma:_="" ma:contentTypeName="TemplateFile" ma:contentTypeID="0x0101006EDDDB5EE6D98C44930B742096920B300400F5B6D36B3EF94B4E9A635CDF2A18F5B8" ma:contentTypeVersion="72" ma:contentTypeDescription="Create a new document." ma:contentTypeScope="" ma:versionID="a23e56308344d904b51738559c3d67c9">
   <xsd:schema xmlns:xsd="http://www.w3.org/2001/XMLSchema" xmlns:xs="http://www.w3.org/2001/XMLSchema" xmlns:p="http://schemas.microsoft.com/office/2006/metadata/properties" xmlns:ns2="4873beb7-5857-4685-be1f-d57550cc96cc" targetNamespace="http://schemas.microsoft.com/office/2006/metadata/properties" ma:root="true" ma:fieldsID="cd0908cc4600e77bf5da051303e00c8d" ns2:_="">
     <xsd:import namespace="4873beb7-5857-4685-be1f-d57550cc96cc"/>
@@ -22722,6 +20657,132 @@
 </ct:contentTypeSchema>
 </file>
 
+<file path=customXml/item3.xml><?xml version="1.0" encoding="utf-8"?>
+<p:properties xmlns:p="http://schemas.microsoft.com/office/2006/metadata/properties" xmlns:xsi="http://www.w3.org/2001/XMLSchema-instance" xmlns:pc="http://schemas.microsoft.com/office/infopath/2007/PartnerControls">
+  <documentManagement>
+    <APDescription xmlns="4873beb7-5857-4685-be1f-d57550cc96cc" xsi:nil="true"/>
+    <AssetExpire xmlns="4873beb7-5857-4685-be1f-d57550cc96cc">2029-01-01T08:00:00+00:00</AssetExpire>
+    <CampaignTagsTaxHTField0 xmlns="4873beb7-5857-4685-be1f-d57550cc96cc">
+      <Terms xmlns="http://schemas.microsoft.com/office/infopath/2007/PartnerControls"/>
+    </CampaignTagsTaxHTField0>
+    <IntlLangReviewDate xmlns="4873beb7-5857-4685-be1f-d57550cc96cc" xsi:nil="true"/>
+    <TPFriendlyName xmlns="4873beb7-5857-4685-be1f-d57550cc96cc" xsi:nil="true"/>
+    <IntlLangReview xmlns="4873beb7-5857-4685-be1f-d57550cc96cc">false</IntlLangReview>
+    <LocLastLocAttemptVersionLookup xmlns="4873beb7-5857-4685-be1f-d57550cc96cc">855024</LocLastLocAttemptVersionLookup>
+    <PolicheckWords xmlns="4873beb7-5857-4685-be1f-d57550cc96cc" xsi:nil="true"/>
+    <SubmitterId xmlns="4873beb7-5857-4685-be1f-d57550cc96cc" xsi:nil="true"/>
+    <AcquiredFrom xmlns="4873beb7-5857-4685-be1f-d57550cc96cc">Internal MS</AcquiredFrom>
+    <EditorialStatus xmlns="4873beb7-5857-4685-be1f-d57550cc96cc">Complete</EditorialStatus>
+    <Markets xmlns="4873beb7-5857-4685-be1f-d57550cc96cc"/>
+    <OriginAsset xmlns="4873beb7-5857-4685-be1f-d57550cc96cc" xsi:nil="true"/>
+    <AssetStart xmlns="4873beb7-5857-4685-be1f-d57550cc96cc">2012-08-31T08:50:00+00:00</AssetStart>
+    <FriendlyTitle xmlns="4873beb7-5857-4685-be1f-d57550cc96cc" xsi:nil="true"/>
+    <MarketSpecific xmlns="4873beb7-5857-4685-be1f-d57550cc96cc">false</MarketSpecific>
+    <TPNamespace xmlns="4873beb7-5857-4685-be1f-d57550cc96cc" xsi:nil="true"/>
+    <PublishStatusLookup xmlns="4873beb7-5857-4685-be1f-d57550cc96cc">
+      <Value>1616423</Value>
+    </PublishStatusLookup>
+    <APAuthor xmlns="4873beb7-5857-4685-be1f-d57550cc96cc">
+      <UserInfo>
+        <DisplayName>REDMOND\kristaa</DisplayName>
+        <AccountId>136</AccountId>
+        <AccountType/>
+      </UserInfo>
+    </APAuthor>
+    <TPCommandLine xmlns="4873beb7-5857-4685-be1f-d57550cc96cc" xsi:nil="true"/>
+    <IntlLangReviewer xmlns="4873beb7-5857-4685-be1f-d57550cc96cc" xsi:nil="true"/>
+    <OpenTemplate xmlns="4873beb7-5857-4685-be1f-d57550cc96cc">true</OpenTemplate>
+    <CSXSubmissionDate xmlns="4873beb7-5857-4685-be1f-d57550cc96cc" xsi:nil="true"/>
+    <TaxCatchAll xmlns="4873beb7-5857-4685-be1f-d57550cc96cc"/>
+    <Manager xmlns="4873beb7-5857-4685-be1f-d57550cc96cc" xsi:nil="true"/>
+    <NumericId xmlns="4873beb7-5857-4685-be1f-d57550cc96cc" xsi:nil="true"/>
+    <ParentAssetId xmlns="4873beb7-5857-4685-be1f-d57550cc96cc" xsi:nil="true"/>
+    <OriginalSourceMarket xmlns="4873beb7-5857-4685-be1f-d57550cc96cc" xsi:nil="true"/>
+    <ApprovalStatus xmlns="4873beb7-5857-4685-be1f-d57550cc96cc">InProgress</ApprovalStatus>
+    <TPComponent xmlns="4873beb7-5857-4685-be1f-d57550cc96cc" xsi:nil="true"/>
+    <EditorialTags xmlns="4873beb7-5857-4685-be1f-d57550cc96cc" xsi:nil="true"/>
+    <TPExecutable xmlns="4873beb7-5857-4685-be1f-d57550cc96cc" xsi:nil="true"/>
+    <TPLaunchHelpLink xmlns="4873beb7-5857-4685-be1f-d57550cc96cc" xsi:nil="true"/>
+    <LocComments xmlns="4873beb7-5857-4685-be1f-d57550cc96cc" xsi:nil="true"/>
+    <LocRecommendedHandoff xmlns="4873beb7-5857-4685-be1f-d57550cc96cc" xsi:nil="true"/>
+    <SourceTitle xmlns="4873beb7-5857-4685-be1f-d57550cc96cc" xsi:nil="true"/>
+    <CSXUpdate xmlns="4873beb7-5857-4685-be1f-d57550cc96cc">false</CSXUpdate>
+    <IntlLocPriority xmlns="4873beb7-5857-4685-be1f-d57550cc96cc" xsi:nil="true"/>
+    <UAProjectedTotalWords xmlns="4873beb7-5857-4685-be1f-d57550cc96cc" xsi:nil="true"/>
+    <AssetType xmlns="4873beb7-5857-4685-be1f-d57550cc96cc">TP</AssetType>
+    <MachineTranslated xmlns="4873beb7-5857-4685-be1f-d57550cc96cc">false</MachineTranslated>
+    <OutputCachingOn xmlns="4873beb7-5857-4685-be1f-d57550cc96cc">false</OutputCachingOn>
+    <TemplateStatus xmlns="4873beb7-5857-4685-be1f-d57550cc96cc">Complete</TemplateStatus>
+    <IsSearchable xmlns="4873beb7-5857-4685-be1f-d57550cc96cc">true</IsSearchable>
+    <ContentItem xmlns="4873beb7-5857-4685-be1f-d57550cc96cc" xsi:nil="true"/>
+    <HandoffToMSDN xmlns="4873beb7-5857-4685-be1f-d57550cc96cc" xsi:nil="true"/>
+    <ShowIn xmlns="4873beb7-5857-4685-be1f-d57550cc96cc">Show everywhere</ShowIn>
+    <ThumbnailAssetId xmlns="4873beb7-5857-4685-be1f-d57550cc96cc" xsi:nil="true"/>
+    <UALocComments xmlns="4873beb7-5857-4685-be1f-d57550cc96cc" xsi:nil="true"/>
+    <UALocRecommendation xmlns="4873beb7-5857-4685-be1f-d57550cc96cc">Localize</UALocRecommendation>
+    <LastModifiedDateTime xmlns="4873beb7-5857-4685-be1f-d57550cc96cc" xsi:nil="true"/>
+    <LegacyData xmlns="4873beb7-5857-4685-be1f-d57550cc96cc" xsi:nil="true"/>
+    <LocManualTestRequired xmlns="4873beb7-5857-4685-be1f-d57550cc96cc">false</LocManualTestRequired>
+    <LocMarketGroupTiers2 xmlns="4873beb7-5857-4685-be1f-d57550cc96cc" xsi:nil="true"/>
+    <ClipArtFilename xmlns="4873beb7-5857-4685-be1f-d57550cc96cc" xsi:nil="true"/>
+    <TPApplication xmlns="4873beb7-5857-4685-be1f-d57550cc96cc" xsi:nil="true"/>
+    <CSXHash xmlns="4873beb7-5857-4685-be1f-d57550cc96cc" xsi:nil="true"/>
+    <DirectSourceMarket xmlns="4873beb7-5857-4685-be1f-d57550cc96cc" xsi:nil="true"/>
+    <PrimaryImageGen xmlns="4873beb7-5857-4685-be1f-d57550cc96cc">true</PrimaryImageGen>
+    <PlannedPubDate xmlns="4873beb7-5857-4685-be1f-d57550cc96cc" xsi:nil="true"/>
+    <CSXSubmissionMarket xmlns="4873beb7-5857-4685-be1f-d57550cc96cc" xsi:nil="true"/>
+    <Downloads xmlns="4873beb7-5857-4685-be1f-d57550cc96cc">0</Downloads>
+    <ArtSampleDocs xmlns="4873beb7-5857-4685-be1f-d57550cc96cc" xsi:nil="true"/>
+    <TrustLevel xmlns="4873beb7-5857-4685-be1f-d57550cc96cc">1 Microsoft Managed Content</TrustLevel>
+    <BlockPublish xmlns="4873beb7-5857-4685-be1f-d57550cc96cc">false</BlockPublish>
+    <TPLaunchHelpLinkType xmlns="4873beb7-5857-4685-be1f-d57550cc96cc">Template</TPLaunchHelpLinkType>
+    <LocalizationTagsTaxHTField0 xmlns="4873beb7-5857-4685-be1f-d57550cc96cc">
+      <Terms xmlns="http://schemas.microsoft.com/office/infopath/2007/PartnerControls"/>
+    </LocalizationTagsTaxHTField0>
+    <BusinessGroup xmlns="4873beb7-5857-4685-be1f-d57550cc96cc" xsi:nil="true"/>
+    <Providers xmlns="4873beb7-5857-4685-be1f-d57550cc96cc" xsi:nil="true"/>
+    <TemplateTemplateType xmlns="4873beb7-5857-4685-be1f-d57550cc96cc">PowerPoint Presentation Template</TemplateTemplateType>
+    <TimesCloned xmlns="4873beb7-5857-4685-be1f-d57550cc96cc" xsi:nil="true"/>
+    <TPAppVersion xmlns="4873beb7-5857-4685-be1f-d57550cc96cc" xsi:nil="true"/>
+    <VoteCount xmlns="4873beb7-5857-4685-be1f-d57550cc96cc" xsi:nil="true"/>
+    <AverageRating xmlns="4873beb7-5857-4685-be1f-d57550cc96cc" xsi:nil="true"/>
+    <FeatureTagsTaxHTField0 xmlns="4873beb7-5857-4685-be1f-d57550cc96cc">
+      <Terms xmlns="http://schemas.microsoft.com/office/infopath/2007/PartnerControls"/>
+    </FeatureTagsTaxHTField0>
+    <Provider xmlns="4873beb7-5857-4685-be1f-d57550cc96cc" xsi:nil="true"/>
+    <UACurrentWords xmlns="4873beb7-5857-4685-be1f-d57550cc96cc" xsi:nil="true"/>
+    <AssetId xmlns="4873beb7-5857-4685-be1f-d57550cc96cc">TP103431361</AssetId>
+    <TPClientViewer xmlns="4873beb7-5857-4685-be1f-d57550cc96cc" xsi:nil="true"/>
+    <DSATActionTaken xmlns="4873beb7-5857-4685-be1f-d57550cc96cc" xsi:nil="true"/>
+    <APEditor xmlns="4873beb7-5857-4685-be1f-d57550cc96cc">
+      <UserInfo>
+        <DisplayName/>
+        <AccountId xsi:nil="true"/>
+        <AccountType/>
+      </UserInfo>
+    </APEditor>
+    <TPInstallLocation xmlns="4873beb7-5857-4685-be1f-d57550cc96cc" xsi:nil="true"/>
+    <OOCacheId xmlns="4873beb7-5857-4685-be1f-d57550cc96cc" xsi:nil="true"/>
+    <IsDeleted xmlns="4873beb7-5857-4685-be1f-d57550cc96cc">false</IsDeleted>
+    <PublishTargets xmlns="4873beb7-5857-4685-be1f-d57550cc96cc">OfficeOnlineVNext</PublishTargets>
+    <ApprovalLog xmlns="4873beb7-5857-4685-be1f-d57550cc96cc" xsi:nil="true"/>
+    <BugNumber xmlns="4873beb7-5857-4685-be1f-d57550cc96cc" xsi:nil="true"/>
+    <CrawlForDependencies xmlns="4873beb7-5857-4685-be1f-d57550cc96cc">false</CrawlForDependencies>
+    <InternalTagsTaxHTField0 xmlns="4873beb7-5857-4685-be1f-d57550cc96cc">
+      <Terms xmlns="http://schemas.microsoft.com/office/infopath/2007/PartnerControls"/>
+    </InternalTagsTaxHTField0>
+    <LastHandOff xmlns="4873beb7-5857-4685-be1f-d57550cc96cc" xsi:nil="true"/>
+    <Milestone xmlns="4873beb7-5857-4685-be1f-d57550cc96cc" xsi:nil="true"/>
+    <OriginalRelease xmlns="4873beb7-5857-4685-be1f-d57550cc96cc">15</OriginalRelease>
+    <RecommendationsModifier xmlns="4873beb7-5857-4685-be1f-d57550cc96cc" xsi:nil="true"/>
+    <ScenarioTagsTaxHTField0 xmlns="4873beb7-5857-4685-be1f-d57550cc96cc">
+      <Terms xmlns="http://schemas.microsoft.com/office/infopath/2007/PartnerControls"/>
+    </ScenarioTagsTaxHTField0>
+    <UANotes xmlns="4873beb7-5857-4685-be1f-d57550cc96cc" xsi:nil="true"/>
+  </documentManagement>
+</p:properties>
+</file>
+
 <file path=customXml/itemProps1.xml><?xml version="1.0" encoding="utf-8"?>
 <ds:datastoreItem xmlns:ds="http://schemas.openxmlformats.org/officeDocument/2006/customXml" ds:itemID="{561E720F-F05D-4536-9C34-0CFCED65D3B7}">
   <ds:schemaRefs>
@@ -22731,22 +20792,6 @@
 </file>
 
 <file path=customXml/itemProps2.xml><?xml version="1.0" encoding="utf-8"?>
-<ds:datastoreItem xmlns:ds="http://schemas.openxmlformats.org/officeDocument/2006/customXml" ds:itemID="{8CDDBB83-77C1-4099-A0AA-289882E745E2}">
-  <ds:schemaRefs>
-    <ds:schemaRef ds:uri="http://purl.org/dc/elements/1.1/"/>
-    <ds:schemaRef ds:uri="http://purl.org/dc/dcmitype/"/>
-    <ds:schemaRef ds:uri="http://schemas.microsoft.com/office/2006/metadata/properties"/>
-    <ds:schemaRef ds:uri="http://schemas.microsoft.com/office/2006/documentManagement/types"/>
-    <ds:schemaRef ds:uri="http://www.w3.org/XML/1998/namespace"/>
-    <ds:schemaRef ds:uri="http://schemas.microsoft.com/office/infopath/2007/PartnerControls"/>
-    <ds:schemaRef ds:uri="http://schemas.openxmlformats.org/package/2006/metadata/core-properties"/>
-    <ds:schemaRef ds:uri="4873beb7-5857-4685-be1f-d57550cc96cc"/>
-    <ds:schemaRef ds:uri="http://purl.org/dc/terms/"/>
-  </ds:schemaRefs>
-</ds:datastoreItem>
-</file>
-
-<file path=customXml/itemProps3.xml><?xml version="1.0" encoding="utf-8"?>
 <ds:datastoreItem xmlns:ds="http://schemas.openxmlformats.org/officeDocument/2006/customXml" ds:itemID="{28C8B9CA-0273-4370-889A-FC05DA5C2FA5}">
   <ds:schemaRefs>
     <ds:schemaRef ds:uri="http://schemas.microsoft.com/office/2006/metadata/contentType"/>
@@ -22762,4 +20807,20 @@
     <ds:schemaRef ds:uri="http://schemas.microsoft.com/internal/obd"/>
   </ds:schemaRefs>
 </ds:datastoreItem>
+</file>
+
+<file path=customXml/itemProps3.xml><?xml version="1.0" encoding="utf-8"?>
+<ds:datastoreItem xmlns:ds="http://schemas.openxmlformats.org/officeDocument/2006/customXml" ds:itemID="{8CDDBB83-77C1-4099-A0AA-289882E745E2}">
+  <ds:schemaRefs>
+    <ds:schemaRef ds:uri="http://purl.org/dc/elements/1.1/"/>
+    <ds:schemaRef ds:uri="http://purl.org/dc/dcmitype/"/>
+    <ds:schemaRef ds:uri="http://schemas.microsoft.com/office/2006/metadata/properties"/>
+    <ds:schemaRef ds:uri="http://schemas.microsoft.com/office/2006/documentManagement/types"/>
+    <ds:schemaRef ds:uri="http://www.w3.org/XML/1998/namespace"/>
+    <ds:schemaRef ds:uri="http://schemas.microsoft.com/office/infopath/2007/PartnerControls"/>
+    <ds:schemaRef ds:uri="http://schemas.openxmlformats.org/package/2006/metadata/core-properties"/>
+    <ds:schemaRef ds:uri="4873beb7-5857-4685-be1f-d57550cc96cc"/>
+    <ds:schemaRef ds:uri="http://purl.org/dc/terms/"/>
+  </ds:schemaRefs>
+</ds:datastoreItem>
 </file>